--- a/PräsoHeatBoxDoku.pptx
+++ b/PräsoHeatBoxDoku.pptx
@@ -5,10 +5,10 @@
     <p:sldMasterId id="2147483660" r:id="rId1"/>
   </p:sldMasterIdLst>
   <p:notesMasterIdLst>
-    <p:notesMasterId r:id="rId14"/>
+    <p:notesMasterId r:id="rId16"/>
   </p:notesMasterIdLst>
   <p:handoutMasterIdLst>
-    <p:handoutMasterId r:id="rId15"/>
+    <p:handoutMasterId r:id="rId17"/>
   </p:handoutMasterIdLst>
   <p:sldIdLst>
     <p:sldId id="256" r:id="rId2"/>
@@ -18,11 +18,13 @@
     <p:sldId id="277" r:id="rId6"/>
     <p:sldId id="278" r:id="rId7"/>
     <p:sldId id="279" r:id="rId8"/>
-    <p:sldId id="280" r:id="rId9"/>
-    <p:sldId id="281" r:id="rId10"/>
+    <p:sldId id="281" r:id="rId9"/>
+    <p:sldId id="285" r:id="rId10"/>
     <p:sldId id="276" r:id="rId11"/>
-    <p:sldId id="282" r:id="rId12"/>
-    <p:sldId id="283" r:id="rId13"/>
+    <p:sldId id="286" r:id="rId12"/>
+    <p:sldId id="282" r:id="rId13"/>
+    <p:sldId id="284" r:id="rId14"/>
+    <p:sldId id="283" r:id="rId15"/>
   </p:sldIdLst>
   <p:sldSz cx="9144000" cy="6858000" type="screen4x3"/>
   <p:notesSz cx="6858000" cy="9144000"/>
@@ -15510,11 +15512,11 @@
           <a:p>
             <a:r>
               <a:rPr lang="de-DE" dirty="0" smtClean="0"/>
-              <a:t>VI. Der </a:t>
+              <a:t>V. </a:t>
             </a:r>
             <a:r>
               <a:rPr lang="de-DE" dirty="0" smtClean="0"/>
-              <a:t>Plan zur Umsetzung</a:t>
+              <a:t>Der Plan zur Umsetzung</a:t>
             </a:r>
             <a:endParaRPr lang="de-DE" dirty="0"/>
           </a:p>
@@ -15599,67 +15601,271 @@
       </p:sp>
       <p:sp>
         <p:nvSpPr>
-          <p:cNvPr id="6" name="Textplatzhalter 5"/>
-          <p:cNvSpPr>
-            <a:spLocks noGrp="1"/>
+          <p:cNvPr id="8" name="Textplatzhalter 5"/>
+          <p:cNvSpPr txBox="1">
+            <a:spLocks/>
           </p:cNvSpPr>
-          <p:nvPr>
-            <p:ph type="body" sz="quarter" idx="13"/>
-          </p:nvPr>
+          <p:nvPr/>
         </p:nvSpPr>
-        <p:spPr/>
+        <p:spPr>
+          <a:xfrm>
+            <a:off x="628650" y="1451650"/>
+            <a:ext cx="3277428" cy="615674"/>
+          </a:xfrm>
+          <a:prstGeom prst="rect">
+            <a:avLst/>
+          </a:prstGeom>
+        </p:spPr>
         <p:txBody>
-          <a:bodyPr/>
-          <a:lstStyle/>
+          <a:bodyPr vert="horz" lIns="91440" tIns="45720" rIns="91440" bIns="45720" rtlCol="0">
+            <a:normAutofit/>
+          </a:bodyPr>
+          <a:lstStyle>
+            <a:lvl1pPr marL="571500" indent="-571500" algn="l" defTabSz="914400" rtl="0" eaLnBrk="1" latinLnBrk="0" hangingPunct="1">
+              <a:lnSpc>
+                <a:spcPct val="90000"/>
+              </a:lnSpc>
+              <a:spcBef>
+                <a:spcPts val="1000"/>
+              </a:spcBef>
+              <a:buFont typeface="+mj-lt"/>
+              <a:buAutoNum type="romanUcPeriod"/>
+              <a:defRPr sz="2800" kern="1200" baseline="0">
+                <a:solidFill>
+                  <a:schemeClr val="tx1"/>
+                </a:solidFill>
+                <a:latin typeface="+mn-lt"/>
+                <a:ea typeface="+mn-ea"/>
+                <a:cs typeface="+mn-cs"/>
+              </a:defRPr>
+            </a:lvl1pPr>
+            <a:lvl2pPr marL="971550" indent="-514350" algn="l" defTabSz="914400" rtl="0" eaLnBrk="1" latinLnBrk="0" hangingPunct="1">
+              <a:lnSpc>
+                <a:spcPct val="90000"/>
+              </a:lnSpc>
+              <a:spcBef>
+                <a:spcPts val="500"/>
+              </a:spcBef>
+              <a:buFont typeface="+mj-lt"/>
+              <a:buAutoNum type="romanLcPeriod"/>
+              <a:defRPr sz="2400" kern="1200" baseline="0">
+                <a:solidFill>
+                  <a:schemeClr val="tx1"/>
+                </a:solidFill>
+                <a:latin typeface="+mn-lt"/>
+                <a:ea typeface="+mn-ea"/>
+                <a:cs typeface="+mn-cs"/>
+              </a:defRPr>
+            </a:lvl2pPr>
+            <a:lvl3pPr marL="914400" indent="0" algn="l" defTabSz="914400" rtl="0" eaLnBrk="1" latinLnBrk="0" hangingPunct="1">
+              <a:lnSpc>
+                <a:spcPct val="90000"/>
+              </a:lnSpc>
+              <a:spcBef>
+                <a:spcPts val="500"/>
+              </a:spcBef>
+              <a:buFont typeface="+mj-lt"/>
+              <a:buNone/>
+              <a:defRPr sz="2000" kern="1200" baseline="0">
+                <a:solidFill>
+                  <a:schemeClr val="accent1">
+                    <a:lumMod val="50000"/>
+                  </a:schemeClr>
+                </a:solidFill>
+                <a:latin typeface="+mn-lt"/>
+                <a:ea typeface="+mn-ea"/>
+                <a:cs typeface="+mn-cs"/>
+              </a:defRPr>
+            </a:lvl3pPr>
+            <a:lvl4pPr marL="1600200" indent="-228600" algn="l" defTabSz="914400" rtl="0" eaLnBrk="1" latinLnBrk="0" hangingPunct="1">
+              <a:lnSpc>
+                <a:spcPct val="90000"/>
+              </a:lnSpc>
+              <a:spcBef>
+                <a:spcPts val="500"/>
+              </a:spcBef>
+              <a:buFont typeface="Arial" panose="020B0604020202020204" pitchFamily="34" charset="0"/>
+              <a:buChar char="•"/>
+              <a:defRPr sz="1800" kern="1200">
+                <a:solidFill>
+                  <a:schemeClr val="accent1">
+                    <a:lumMod val="50000"/>
+                  </a:schemeClr>
+                </a:solidFill>
+                <a:latin typeface="+mn-lt"/>
+                <a:ea typeface="+mn-ea"/>
+                <a:cs typeface="+mn-cs"/>
+              </a:defRPr>
+            </a:lvl4pPr>
+            <a:lvl5pPr marL="2057400" indent="-228600" algn="l" defTabSz="914400" rtl="0" eaLnBrk="1" latinLnBrk="0" hangingPunct="1">
+              <a:lnSpc>
+                <a:spcPct val="90000"/>
+              </a:lnSpc>
+              <a:spcBef>
+                <a:spcPts val="500"/>
+              </a:spcBef>
+              <a:buFont typeface="Arial" panose="020B0604020202020204" pitchFamily="34" charset="0"/>
+              <a:buChar char="•"/>
+              <a:defRPr sz="1800" kern="1200">
+                <a:solidFill>
+                  <a:schemeClr val="accent1">
+                    <a:lumMod val="50000"/>
+                  </a:schemeClr>
+                </a:solidFill>
+                <a:latin typeface="+mn-lt"/>
+                <a:ea typeface="+mn-ea"/>
+                <a:cs typeface="+mn-cs"/>
+              </a:defRPr>
+            </a:lvl5pPr>
+            <a:lvl6pPr marL="2514600" indent="-228600" algn="l" defTabSz="914400" rtl="0" eaLnBrk="1" latinLnBrk="0" hangingPunct="1">
+              <a:lnSpc>
+                <a:spcPct val="90000"/>
+              </a:lnSpc>
+              <a:spcBef>
+                <a:spcPts val="500"/>
+              </a:spcBef>
+              <a:buFont typeface="Arial" panose="020B0604020202020204" pitchFamily="34" charset="0"/>
+              <a:buChar char="•"/>
+              <a:defRPr sz="1800" kern="1200">
+                <a:solidFill>
+                  <a:schemeClr val="tx1"/>
+                </a:solidFill>
+                <a:latin typeface="+mn-lt"/>
+                <a:ea typeface="+mn-ea"/>
+                <a:cs typeface="+mn-cs"/>
+              </a:defRPr>
+            </a:lvl6pPr>
+            <a:lvl7pPr marL="2971800" indent="-228600" algn="l" defTabSz="914400" rtl="0" eaLnBrk="1" latinLnBrk="0" hangingPunct="1">
+              <a:lnSpc>
+                <a:spcPct val="90000"/>
+              </a:lnSpc>
+              <a:spcBef>
+                <a:spcPts val="500"/>
+              </a:spcBef>
+              <a:buFont typeface="Arial" panose="020B0604020202020204" pitchFamily="34" charset="0"/>
+              <a:buChar char="•"/>
+              <a:defRPr sz="1800" kern="1200">
+                <a:solidFill>
+                  <a:schemeClr val="tx1"/>
+                </a:solidFill>
+                <a:latin typeface="+mn-lt"/>
+                <a:ea typeface="+mn-ea"/>
+                <a:cs typeface="+mn-cs"/>
+              </a:defRPr>
+            </a:lvl7pPr>
+            <a:lvl8pPr marL="3429000" indent="-228600" algn="l" defTabSz="914400" rtl="0" eaLnBrk="1" latinLnBrk="0" hangingPunct="1">
+              <a:lnSpc>
+                <a:spcPct val="90000"/>
+              </a:lnSpc>
+              <a:spcBef>
+                <a:spcPts val="500"/>
+              </a:spcBef>
+              <a:buFont typeface="Arial" panose="020B0604020202020204" pitchFamily="34" charset="0"/>
+              <a:buChar char="•"/>
+              <a:defRPr sz="1800" kern="1200">
+                <a:solidFill>
+                  <a:schemeClr val="tx1"/>
+                </a:solidFill>
+                <a:latin typeface="+mn-lt"/>
+                <a:ea typeface="+mn-ea"/>
+                <a:cs typeface="+mn-cs"/>
+              </a:defRPr>
+            </a:lvl8pPr>
+            <a:lvl9pPr marL="3886200" indent="-228600" algn="l" defTabSz="914400" rtl="0" eaLnBrk="1" latinLnBrk="0" hangingPunct="1">
+              <a:lnSpc>
+                <a:spcPct val="90000"/>
+              </a:lnSpc>
+              <a:spcBef>
+                <a:spcPts val="500"/>
+              </a:spcBef>
+              <a:buFont typeface="Arial" panose="020B0604020202020204" pitchFamily="34" charset="0"/>
+              <a:buChar char="•"/>
+              <a:defRPr sz="1800" kern="1200">
+                <a:solidFill>
+                  <a:schemeClr val="tx1"/>
+                </a:solidFill>
+                <a:latin typeface="+mn-lt"/>
+                <a:ea typeface="+mn-ea"/>
+                <a:cs typeface="+mn-cs"/>
+              </a:defRPr>
+            </a:lvl9pPr>
+          </a:lstStyle>
           <a:p>
             <a:pPr marL="0" indent="0">
+              <a:buFont typeface="+mj-lt"/>
               <a:buNone/>
             </a:pPr>
             <a:r>
               <a:rPr lang="de-DE" dirty="0" smtClean="0"/>
-              <a:t>Kalkulation</a:t>
+              <a:t>Phasenplan</a:t>
             </a:r>
           </a:p>
           <a:p>
             <a:pPr marL="0" indent="0">
+              <a:buFont typeface="+mj-lt"/>
               <a:buNone/>
             </a:pPr>
             <a:endParaRPr lang="de-DE" dirty="0"/>
           </a:p>
         </p:txBody>
       </p:sp>
-      <p:pic>
-        <p:nvPicPr>
-          <p:cNvPr id="7" name="Grafik 6">
-            <a:hlinkClick r:id="rId2" action="ppaction://hlinkfile"/>
-          </p:cNvPr>
-          <p:cNvPicPr>
-            <a:picLocks noChangeAspect="1"/>
-          </p:cNvPicPr>
-          <p:nvPr/>
-        </p:nvPicPr>
-        <p:blipFill>
-          <a:blip r:embed="rId3">
-            <a:extLst>
-              <a:ext uri="{28A0092B-C50C-407E-A947-70E740481C1C}">
-                <a14:useLocalDpi xmlns:a14="http://schemas.microsoft.com/office/drawing/2010/main" val="0"/>
-              </a:ext>
-            </a:extLst>
-          </a:blip>
-          <a:stretch>
-            <a:fillRect/>
-          </a:stretch>
-        </p:blipFill>
-        <p:spPr>
-          <a:xfrm>
-            <a:off x="628648" y="2544416"/>
-            <a:ext cx="7253023" cy="2608185"/>
-          </a:xfrm>
-          <a:prstGeom prst="rect">
-            <a:avLst/>
-          </a:prstGeom>
-        </p:spPr>
-      </p:pic>
+      <p:graphicFrame>
+        <p:nvGraphicFramePr>
+          <p:cNvPr id="10" name="Objekt 9"/>
+          <p:cNvGraphicFramePr>
+            <a:graphicFrameLocks noChangeAspect="1"/>
+          </p:cNvGraphicFramePr>
+          <p:nvPr>
+            <p:extLst>
+              <p:ext uri="{D42A27DB-BD31-4B8C-83A1-F6EECF244321}">
+                <p14:modId xmlns:p14="http://schemas.microsoft.com/office/powerpoint/2010/main" val="3746917679"/>
+              </p:ext>
+            </p:extLst>
+          </p:nvPr>
+        </p:nvGraphicFramePr>
+        <p:xfrm>
+          <a:off x="719814" y="1838516"/>
+          <a:ext cx="7328631" cy="4364735"/>
+        </p:xfrm>
+        <a:graphic>
+          <a:graphicData uri="http://schemas.openxmlformats.org/presentationml/2006/ole">
+            <mc:AlternateContent xmlns:mc="http://schemas.openxmlformats.org/markup-compatibility/2006">
+              <mc:Choice xmlns:v="urn:schemas-microsoft-com:vml" Requires="v">
+                <p:oleObj spid="_x0000_s2051" name="Document" r:id="rId3" imgW="9400283" imgH="5598334" progId="Word.Document.12">
+                  <p:embed/>
+                </p:oleObj>
+              </mc:Choice>
+              <mc:Fallback>
+                <p:oleObj name="Document" r:id="rId3" imgW="9400283" imgH="5598334" progId="Word.Document.12">
+                  <p:embed/>
+                  <p:pic>
+                    <p:nvPicPr>
+                      <p:cNvPr id="0" name=""/>
+                      <p:cNvPicPr/>
+                      <p:nvPr/>
+                    </p:nvPicPr>
+                    <p:blipFill>
+                      <a:blip r:embed="rId4"/>
+                      <a:stretch>
+                        <a:fillRect/>
+                      </a:stretch>
+                    </p:blipFill>
+                    <p:spPr>
+                      <a:xfrm>
+                        <a:off x="719814" y="1838516"/>
+                        <a:ext cx="7328631" cy="4364735"/>
+                      </a:xfrm>
+                      <a:prstGeom prst="rect">
+                        <a:avLst/>
+                      </a:prstGeom>
+                    </p:spPr>
+                  </p:pic>
+                </p:oleObj>
+              </mc:Fallback>
+            </mc:AlternateContent>
+          </a:graphicData>
+        </a:graphic>
+      </p:graphicFrame>
     </p:spTree>
     <p:extLst>
       <p:ext uri="{BB962C8B-B14F-4D97-AF65-F5344CB8AC3E}">
@@ -15704,7 +15910,7 @@
                                           </p:stCondLst>
                                         </p:cTn>
                                         <p:tgtEl>
-                                          <p:spTgt spid="6">
+                                          <p:spTgt spid="8">
                                             <p:txEl>
                                               <p:pRg st="0" end="0"/>
                                             </p:txEl>
@@ -15722,7 +15928,7 @@
                                       <p:cBhvr additive="base">
                                         <p:cTn id="7" dur="500" fill="hold"/>
                                         <p:tgtEl>
-                                          <p:spTgt spid="6">
+                                          <p:spTgt spid="8">
                                             <p:txEl>
                                               <p:pRg st="0" end="0"/>
                                             </p:txEl>
@@ -15749,7 +15955,618 @@
                                       <p:cBhvr additive="base">
                                         <p:cTn id="8" dur="500" fill="hold"/>
                                         <p:tgtEl>
-                                          <p:spTgt spid="6">
+                                          <p:spTgt spid="8">
+                                            <p:txEl>
+                                              <p:pRg st="0" end="0"/>
+                                            </p:txEl>
+                                          </p:spTgt>
+                                        </p:tgtEl>
+                                        <p:attrNameLst>
+                                          <p:attrName>ppt_y</p:attrName>
+                                        </p:attrNameLst>
+                                      </p:cBhvr>
+                                      <p:tavLst>
+                                        <p:tav tm="0">
+                                          <p:val>
+                                            <p:strVal val="1+#ppt_h/2"/>
+                                          </p:val>
+                                        </p:tav>
+                                        <p:tav tm="100000">
+                                          <p:val>
+                                            <p:strVal val="#ppt_y"/>
+                                          </p:val>
+                                        </p:tav>
+                                      </p:tavLst>
+                                    </p:anim>
+                                  </p:childTnLst>
+                                </p:cTn>
+                              </p:par>
+                            </p:childTnLst>
+                          </p:cTn>
+                        </p:par>
+                      </p:childTnLst>
+                    </p:cTn>
+                  </p:par>
+                  <p:par>
+                    <p:cTn id="9" fill="hold">
+                      <p:stCondLst>
+                        <p:cond delay="indefinite"/>
+                      </p:stCondLst>
+                      <p:childTnLst>
+                        <p:par>
+                          <p:cTn id="10" fill="hold">
+                            <p:stCondLst>
+                              <p:cond delay="0"/>
+                            </p:stCondLst>
+                            <p:childTnLst>
+                              <p:par>
+                                <p:cTn id="11" presetID="53" presetClass="entr" presetSubtype="16" fill="hold" nodeType="clickEffect">
+                                  <p:stCondLst>
+                                    <p:cond delay="0"/>
+                                  </p:stCondLst>
+                                  <p:childTnLst>
+                                    <p:set>
+                                      <p:cBhvr>
+                                        <p:cTn id="12" dur="1" fill="hold">
+                                          <p:stCondLst>
+                                            <p:cond delay="0"/>
+                                          </p:stCondLst>
+                                        </p:cTn>
+                                        <p:tgtEl>
+                                          <p:spTgt spid="10"/>
+                                        </p:tgtEl>
+                                        <p:attrNameLst>
+                                          <p:attrName>style.visibility</p:attrName>
+                                        </p:attrNameLst>
+                                      </p:cBhvr>
+                                      <p:to>
+                                        <p:strVal val="visible"/>
+                                      </p:to>
+                                    </p:set>
+                                    <p:anim calcmode="lin" valueType="num">
+                                      <p:cBhvr>
+                                        <p:cTn id="13" dur="500" fill="hold"/>
+                                        <p:tgtEl>
+                                          <p:spTgt spid="10"/>
+                                        </p:tgtEl>
+                                        <p:attrNameLst>
+                                          <p:attrName>ppt_w</p:attrName>
+                                        </p:attrNameLst>
+                                      </p:cBhvr>
+                                      <p:tavLst>
+                                        <p:tav tm="0">
+                                          <p:val>
+                                            <p:fltVal val="0"/>
+                                          </p:val>
+                                        </p:tav>
+                                        <p:tav tm="100000">
+                                          <p:val>
+                                            <p:strVal val="#ppt_w"/>
+                                          </p:val>
+                                        </p:tav>
+                                      </p:tavLst>
+                                    </p:anim>
+                                    <p:anim calcmode="lin" valueType="num">
+                                      <p:cBhvr>
+                                        <p:cTn id="14" dur="500" fill="hold"/>
+                                        <p:tgtEl>
+                                          <p:spTgt spid="10"/>
+                                        </p:tgtEl>
+                                        <p:attrNameLst>
+                                          <p:attrName>ppt_h</p:attrName>
+                                        </p:attrNameLst>
+                                      </p:cBhvr>
+                                      <p:tavLst>
+                                        <p:tav tm="0">
+                                          <p:val>
+                                            <p:fltVal val="0"/>
+                                          </p:val>
+                                        </p:tav>
+                                        <p:tav tm="100000">
+                                          <p:val>
+                                            <p:strVal val="#ppt_h"/>
+                                          </p:val>
+                                        </p:tav>
+                                      </p:tavLst>
+                                    </p:anim>
+                                    <p:animEffect transition="in" filter="fade">
+                                      <p:cBhvr>
+                                        <p:cTn id="15" dur="500"/>
+                                        <p:tgtEl>
+                                          <p:spTgt spid="10"/>
+                                        </p:tgtEl>
+                                      </p:cBhvr>
+                                    </p:animEffect>
+                                  </p:childTnLst>
+                                </p:cTn>
+                              </p:par>
+                            </p:childTnLst>
+                          </p:cTn>
+                        </p:par>
+                      </p:childTnLst>
+                    </p:cTn>
+                  </p:par>
+                </p:childTnLst>
+              </p:cTn>
+              <p:prevCondLst>
+                <p:cond evt="onPrev" delay="0">
+                  <p:tgtEl>
+                    <p:sldTgt/>
+                  </p:tgtEl>
+                </p:cond>
+              </p:prevCondLst>
+              <p:nextCondLst>
+                <p:cond evt="onNext" delay="0">
+                  <p:tgtEl>
+                    <p:sldTgt/>
+                  </p:tgtEl>
+                </p:cond>
+              </p:nextCondLst>
+            </p:seq>
+          </p:childTnLst>
+        </p:cTn>
+      </p:par>
+    </p:tnLst>
+    <p:bldLst>
+      <p:bldP spid="8" grpId="0" build="p"/>
+    </p:bldLst>
+  </p:timing>
+</p:sld>
+</file>
+
+<file path=ppt/slides/slide11.xml><?xml version="1.0" encoding="utf-8"?>
+<p:sld xmlns:a="http://schemas.openxmlformats.org/drawingml/2006/main" xmlns:r="http://schemas.openxmlformats.org/officeDocument/2006/relationships" xmlns:p="http://schemas.openxmlformats.org/presentationml/2006/main">
+  <p:cSld>
+    <p:spTree>
+      <p:nvGrpSpPr>
+        <p:cNvPr id="1" name=""/>
+        <p:cNvGrpSpPr/>
+        <p:nvPr/>
+      </p:nvGrpSpPr>
+      <p:grpSpPr>
+        <a:xfrm>
+          <a:off x="0" y="0"/>
+          <a:ext cx="0" cy="0"/>
+          <a:chOff x="0" y="0"/>
+          <a:chExt cx="0" cy="0"/>
+        </a:xfrm>
+      </p:grpSpPr>
+      <p:sp>
+        <p:nvSpPr>
+          <p:cNvPr id="2" name="Titel 1"/>
+          <p:cNvSpPr>
+            <a:spLocks noGrp="1"/>
+          </p:cNvSpPr>
+          <p:nvPr>
+            <p:ph type="title"/>
+          </p:nvPr>
+        </p:nvSpPr>
+        <p:spPr/>
+        <p:txBody>
+          <a:bodyPr/>
+          <a:lstStyle/>
+          <a:p>
+            <a:r>
+              <a:rPr lang="de-DE" dirty="0" smtClean="0"/>
+              <a:t>V. </a:t>
+            </a:r>
+            <a:r>
+              <a:rPr lang="de-DE" dirty="0" smtClean="0"/>
+              <a:t>Der Plan zur Umsetzung</a:t>
+            </a:r>
+            <a:endParaRPr lang="de-DE" dirty="0"/>
+          </a:p>
+        </p:txBody>
+      </p:sp>
+      <p:sp>
+        <p:nvSpPr>
+          <p:cNvPr id="3" name="Datumsplatzhalter 2"/>
+          <p:cNvSpPr>
+            <a:spLocks noGrp="1"/>
+          </p:cNvSpPr>
+          <p:nvPr>
+            <p:ph type="dt" sz="half" idx="10"/>
+          </p:nvPr>
+        </p:nvSpPr>
+        <p:spPr/>
+        <p:txBody>
+          <a:bodyPr/>
+          <a:lstStyle/>
+          <a:p>
+            <a:fld id="{AFFC6BE6-CD2A-4CF5-97F9-C96353520506}" type="datetime1">
+              <a:rPr lang="de-DE" smtClean="0"/>
+              <a:t>16.02.2017</a:t>
+            </a:fld>
+            <a:endParaRPr lang="de-DE" dirty="0"/>
+          </a:p>
+        </p:txBody>
+      </p:sp>
+      <p:sp>
+        <p:nvSpPr>
+          <p:cNvPr id="4" name="Fußzeilenplatzhalter 3"/>
+          <p:cNvSpPr>
+            <a:spLocks noGrp="1"/>
+          </p:cNvSpPr>
+          <p:nvPr>
+            <p:ph type="ftr" sz="quarter" idx="11"/>
+          </p:nvPr>
+        </p:nvSpPr>
+        <p:spPr/>
+        <p:txBody>
+          <a:bodyPr/>
+          <a:lstStyle/>
+          <a:p>
+            <a:r>
+              <a:rPr lang="de-DE" dirty="0" err="1" smtClean="0"/>
+              <a:t>Concept</a:t>
+            </a:r>
+            <a:r>
+              <a:rPr lang="de-DE" dirty="0" smtClean="0"/>
+              <a:t>-IT GmbH </a:t>
+            </a:r>
+            <a:r>
+              <a:rPr lang="de-DE" dirty="0"/>
+              <a:t>| Projekt HeatBox</a:t>
+            </a:r>
+          </a:p>
+        </p:txBody>
+      </p:sp>
+      <p:sp>
+        <p:nvSpPr>
+          <p:cNvPr id="5" name="Foliennummernplatzhalter 4"/>
+          <p:cNvSpPr>
+            <a:spLocks noGrp="1"/>
+          </p:cNvSpPr>
+          <p:nvPr>
+            <p:ph type="sldNum" sz="quarter" idx="12"/>
+          </p:nvPr>
+        </p:nvSpPr>
+        <p:spPr/>
+        <p:txBody>
+          <a:bodyPr/>
+          <a:lstStyle/>
+          <a:p>
+            <a:fld id="{AF352947-28F3-421A-90B8-970A12ACB341}" type="slidenum">
+              <a:rPr lang="de-DE" smtClean="0"/>
+              <a:pPr/>
+              <a:t>11</a:t>
+            </a:fld>
+            <a:endParaRPr lang="de-DE" dirty="0"/>
+          </a:p>
+        </p:txBody>
+      </p:sp>
+      <p:pic>
+        <p:nvPicPr>
+          <p:cNvPr id="7" name="Grafik 6">
+            <a:hlinkClick r:id="rId2" action="ppaction://hlinkfile"/>
+          </p:cNvPr>
+          <p:cNvPicPr>
+            <a:picLocks noChangeAspect="1"/>
+          </p:cNvPicPr>
+          <p:nvPr/>
+        </p:nvPicPr>
+        <p:blipFill>
+          <a:blip r:embed="rId3">
+            <a:extLst>
+              <a:ext uri="{28A0092B-C50C-407E-A947-70E740481C1C}">
+                <a14:useLocalDpi xmlns:a14="http://schemas.microsoft.com/office/drawing/2010/main" val="0"/>
+              </a:ext>
+            </a:extLst>
+          </a:blip>
+          <a:stretch>
+            <a:fillRect/>
+          </a:stretch>
+        </p:blipFill>
+        <p:spPr>
+          <a:xfrm>
+            <a:off x="628648" y="2544416"/>
+            <a:ext cx="7253023" cy="2608185"/>
+          </a:xfrm>
+          <a:prstGeom prst="rect">
+            <a:avLst/>
+          </a:prstGeom>
+        </p:spPr>
+      </p:pic>
+      <p:sp>
+        <p:nvSpPr>
+          <p:cNvPr id="10" name="Textplatzhalter 5"/>
+          <p:cNvSpPr txBox="1">
+            <a:spLocks/>
+          </p:cNvSpPr>
+          <p:nvPr/>
+        </p:nvSpPr>
+        <p:spPr>
+          <a:xfrm>
+            <a:off x="628650" y="1451650"/>
+            <a:ext cx="3277428" cy="615674"/>
+          </a:xfrm>
+          <a:prstGeom prst="rect">
+            <a:avLst/>
+          </a:prstGeom>
+        </p:spPr>
+        <p:txBody>
+          <a:bodyPr vert="horz" lIns="91440" tIns="45720" rIns="91440" bIns="45720" rtlCol="0">
+            <a:normAutofit/>
+          </a:bodyPr>
+          <a:lstStyle>
+            <a:lvl1pPr marL="571500" indent="-571500" algn="l" defTabSz="914400" rtl="0" eaLnBrk="1" latinLnBrk="0" hangingPunct="1">
+              <a:lnSpc>
+                <a:spcPct val="90000"/>
+              </a:lnSpc>
+              <a:spcBef>
+                <a:spcPts val="1000"/>
+              </a:spcBef>
+              <a:buFont typeface="+mj-lt"/>
+              <a:buAutoNum type="romanUcPeriod"/>
+              <a:defRPr sz="2800" kern="1200" baseline="0">
+                <a:solidFill>
+                  <a:schemeClr val="tx1"/>
+                </a:solidFill>
+                <a:latin typeface="+mn-lt"/>
+                <a:ea typeface="+mn-ea"/>
+                <a:cs typeface="+mn-cs"/>
+              </a:defRPr>
+            </a:lvl1pPr>
+            <a:lvl2pPr marL="971550" indent="-514350" algn="l" defTabSz="914400" rtl="0" eaLnBrk="1" latinLnBrk="0" hangingPunct="1">
+              <a:lnSpc>
+                <a:spcPct val="90000"/>
+              </a:lnSpc>
+              <a:spcBef>
+                <a:spcPts val="500"/>
+              </a:spcBef>
+              <a:buFont typeface="+mj-lt"/>
+              <a:buAutoNum type="romanLcPeriod"/>
+              <a:defRPr sz="2400" kern="1200" baseline="0">
+                <a:solidFill>
+                  <a:schemeClr val="tx1"/>
+                </a:solidFill>
+                <a:latin typeface="+mn-lt"/>
+                <a:ea typeface="+mn-ea"/>
+                <a:cs typeface="+mn-cs"/>
+              </a:defRPr>
+            </a:lvl2pPr>
+            <a:lvl3pPr marL="914400" indent="0" algn="l" defTabSz="914400" rtl="0" eaLnBrk="1" latinLnBrk="0" hangingPunct="1">
+              <a:lnSpc>
+                <a:spcPct val="90000"/>
+              </a:lnSpc>
+              <a:spcBef>
+                <a:spcPts val="500"/>
+              </a:spcBef>
+              <a:buFont typeface="+mj-lt"/>
+              <a:buNone/>
+              <a:defRPr sz="2000" kern="1200" baseline="0">
+                <a:solidFill>
+                  <a:schemeClr val="accent1">
+                    <a:lumMod val="50000"/>
+                  </a:schemeClr>
+                </a:solidFill>
+                <a:latin typeface="+mn-lt"/>
+                <a:ea typeface="+mn-ea"/>
+                <a:cs typeface="+mn-cs"/>
+              </a:defRPr>
+            </a:lvl3pPr>
+            <a:lvl4pPr marL="1600200" indent="-228600" algn="l" defTabSz="914400" rtl="0" eaLnBrk="1" latinLnBrk="0" hangingPunct="1">
+              <a:lnSpc>
+                <a:spcPct val="90000"/>
+              </a:lnSpc>
+              <a:spcBef>
+                <a:spcPts val="500"/>
+              </a:spcBef>
+              <a:buFont typeface="Arial" panose="020B0604020202020204" pitchFamily="34" charset="0"/>
+              <a:buChar char="•"/>
+              <a:defRPr sz="1800" kern="1200">
+                <a:solidFill>
+                  <a:schemeClr val="accent1">
+                    <a:lumMod val="50000"/>
+                  </a:schemeClr>
+                </a:solidFill>
+                <a:latin typeface="+mn-lt"/>
+                <a:ea typeface="+mn-ea"/>
+                <a:cs typeface="+mn-cs"/>
+              </a:defRPr>
+            </a:lvl4pPr>
+            <a:lvl5pPr marL="2057400" indent="-228600" algn="l" defTabSz="914400" rtl="0" eaLnBrk="1" latinLnBrk="0" hangingPunct="1">
+              <a:lnSpc>
+                <a:spcPct val="90000"/>
+              </a:lnSpc>
+              <a:spcBef>
+                <a:spcPts val="500"/>
+              </a:spcBef>
+              <a:buFont typeface="Arial" panose="020B0604020202020204" pitchFamily="34" charset="0"/>
+              <a:buChar char="•"/>
+              <a:defRPr sz="1800" kern="1200">
+                <a:solidFill>
+                  <a:schemeClr val="accent1">
+                    <a:lumMod val="50000"/>
+                  </a:schemeClr>
+                </a:solidFill>
+                <a:latin typeface="+mn-lt"/>
+                <a:ea typeface="+mn-ea"/>
+                <a:cs typeface="+mn-cs"/>
+              </a:defRPr>
+            </a:lvl5pPr>
+            <a:lvl6pPr marL="2514600" indent="-228600" algn="l" defTabSz="914400" rtl="0" eaLnBrk="1" latinLnBrk="0" hangingPunct="1">
+              <a:lnSpc>
+                <a:spcPct val="90000"/>
+              </a:lnSpc>
+              <a:spcBef>
+                <a:spcPts val="500"/>
+              </a:spcBef>
+              <a:buFont typeface="Arial" panose="020B0604020202020204" pitchFamily="34" charset="0"/>
+              <a:buChar char="•"/>
+              <a:defRPr sz="1800" kern="1200">
+                <a:solidFill>
+                  <a:schemeClr val="tx1"/>
+                </a:solidFill>
+                <a:latin typeface="+mn-lt"/>
+                <a:ea typeface="+mn-ea"/>
+                <a:cs typeface="+mn-cs"/>
+              </a:defRPr>
+            </a:lvl6pPr>
+            <a:lvl7pPr marL="2971800" indent="-228600" algn="l" defTabSz="914400" rtl="0" eaLnBrk="1" latinLnBrk="0" hangingPunct="1">
+              <a:lnSpc>
+                <a:spcPct val="90000"/>
+              </a:lnSpc>
+              <a:spcBef>
+                <a:spcPts val="500"/>
+              </a:spcBef>
+              <a:buFont typeface="Arial" panose="020B0604020202020204" pitchFamily="34" charset="0"/>
+              <a:buChar char="•"/>
+              <a:defRPr sz="1800" kern="1200">
+                <a:solidFill>
+                  <a:schemeClr val="tx1"/>
+                </a:solidFill>
+                <a:latin typeface="+mn-lt"/>
+                <a:ea typeface="+mn-ea"/>
+                <a:cs typeface="+mn-cs"/>
+              </a:defRPr>
+            </a:lvl7pPr>
+            <a:lvl8pPr marL="3429000" indent="-228600" algn="l" defTabSz="914400" rtl="0" eaLnBrk="1" latinLnBrk="0" hangingPunct="1">
+              <a:lnSpc>
+                <a:spcPct val="90000"/>
+              </a:lnSpc>
+              <a:spcBef>
+                <a:spcPts val="500"/>
+              </a:spcBef>
+              <a:buFont typeface="Arial" panose="020B0604020202020204" pitchFamily="34" charset="0"/>
+              <a:buChar char="•"/>
+              <a:defRPr sz="1800" kern="1200">
+                <a:solidFill>
+                  <a:schemeClr val="tx1"/>
+                </a:solidFill>
+                <a:latin typeface="+mn-lt"/>
+                <a:ea typeface="+mn-ea"/>
+                <a:cs typeface="+mn-cs"/>
+              </a:defRPr>
+            </a:lvl8pPr>
+            <a:lvl9pPr marL="3886200" indent="-228600" algn="l" defTabSz="914400" rtl="0" eaLnBrk="1" latinLnBrk="0" hangingPunct="1">
+              <a:lnSpc>
+                <a:spcPct val="90000"/>
+              </a:lnSpc>
+              <a:spcBef>
+                <a:spcPts val="500"/>
+              </a:spcBef>
+              <a:buFont typeface="Arial" panose="020B0604020202020204" pitchFamily="34" charset="0"/>
+              <a:buChar char="•"/>
+              <a:defRPr sz="1800" kern="1200">
+                <a:solidFill>
+                  <a:schemeClr val="tx1"/>
+                </a:solidFill>
+                <a:latin typeface="+mn-lt"/>
+                <a:ea typeface="+mn-ea"/>
+                <a:cs typeface="+mn-cs"/>
+              </a:defRPr>
+            </a:lvl9pPr>
+          </a:lstStyle>
+          <a:p>
+            <a:pPr marL="0" indent="0">
+              <a:buFont typeface="+mj-lt"/>
+              <a:buNone/>
+            </a:pPr>
+            <a:r>
+              <a:rPr lang="de-DE" dirty="0" smtClean="0"/>
+              <a:t>Kalkulation</a:t>
+            </a:r>
+          </a:p>
+          <a:p>
+            <a:pPr marL="0" indent="0">
+              <a:buFont typeface="+mj-lt"/>
+              <a:buNone/>
+            </a:pPr>
+            <a:endParaRPr lang="de-DE" dirty="0"/>
+          </a:p>
+        </p:txBody>
+      </p:sp>
+    </p:spTree>
+    <p:extLst>
+      <p:ext uri="{BB962C8B-B14F-4D97-AF65-F5344CB8AC3E}">
+        <p14:creationId xmlns:p14="http://schemas.microsoft.com/office/powerpoint/2010/main" val="2043270098"/>
+      </p:ext>
+    </p:extLst>
+  </p:cSld>
+  <p:clrMapOvr>
+    <a:masterClrMapping/>
+  </p:clrMapOvr>
+  <p:timing>
+    <p:tnLst>
+      <p:par>
+        <p:cTn id="1" dur="indefinite" restart="never" nodeType="tmRoot">
+          <p:childTnLst>
+            <p:seq concurrent="1" nextAc="seek">
+              <p:cTn id="2" dur="indefinite" nodeType="mainSeq">
+                <p:childTnLst>
+                  <p:par>
+                    <p:cTn id="3" fill="hold">
+                      <p:stCondLst>
+                        <p:cond delay="indefinite"/>
+                      </p:stCondLst>
+                      <p:childTnLst>
+                        <p:par>
+                          <p:cTn id="4" fill="hold">
+                            <p:stCondLst>
+                              <p:cond delay="0"/>
+                            </p:stCondLst>
+                            <p:childTnLst>
+                              <p:par>
+                                <p:cTn id="5" presetID="2" presetClass="entr" presetSubtype="4" fill="hold" grpId="0" nodeType="clickEffect">
+                                  <p:stCondLst>
+                                    <p:cond delay="0"/>
+                                  </p:stCondLst>
+                                  <p:childTnLst>
+                                    <p:set>
+                                      <p:cBhvr>
+                                        <p:cTn id="6" dur="1" fill="hold">
+                                          <p:stCondLst>
+                                            <p:cond delay="0"/>
+                                          </p:stCondLst>
+                                        </p:cTn>
+                                        <p:tgtEl>
+                                          <p:spTgt spid="10">
+                                            <p:txEl>
+                                              <p:pRg st="0" end="0"/>
+                                            </p:txEl>
+                                          </p:spTgt>
+                                        </p:tgtEl>
+                                        <p:attrNameLst>
+                                          <p:attrName>style.visibility</p:attrName>
+                                        </p:attrNameLst>
+                                      </p:cBhvr>
+                                      <p:to>
+                                        <p:strVal val="visible"/>
+                                      </p:to>
+                                    </p:set>
+                                    <p:anim calcmode="lin" valueType="num">
+                                      <p:cBhvr additive="base">
+                                        <p:cTn id="7" dur="500" fill="hold"/>
+                                        <p:tgtEl>
+                                          <p:spTgt spid="10">
+                                            <p:txEl>
+                                              <p:pRg st="0" end="0"/>
+                                            </p:txEl>
+                                          </p:spTgt>
+                                        </p:tgtEl>
+                                        <p:attrNameLst>
+                                          <p:attrName>ppt_x</p:attrName>
+                                        </p:attrNameLst>
+                                      </p:cBhvr>
+                                      <p:tavLst>
+                                        <p:tav tm="0">
+                                          <p:val>
+                                            <p:strVal val="#ppt_x"/>
+                                          </p:val>
+                                        </p:tav>
+                                        <p:tav tm="100000">
+                                          <p:val>
+                                            <p:strVal val="#ppt_x"/>
+                                          </p:val>
+                                        </p:tav>
+                                      </p:tavLst>
+                                    </p:anim>
+                                    <p:anim calcmode="lin" valueType="num">
+                                      <p:cBhvr additive="base">
+                                        <p:cTn id="8" dur="500" fill="hold"/>
+                                        <p:tgtEl>
+                                          <p:spTgt spid="10">
                                             <p:txEl>
                                               <p:pRg st="0" end="0"/>
                                             </p:txEl>
@@ -15902,13 +16719,13 @@
       </p:par>
     </p:tnLst>
     <p:bldLst>
-      <p:bldP spid="6" grpId="0" build="p"/>
+      <p:bldP spid="10" grpId="0" build="p"/>
     </p:bldLst>
   </p:timing>
 </p:sld>
 </file>
 
-<file path=ppt/slides/slide11.xml><?xml version="1.0" encoding="utf-8"?>
+<file path=ppt/slides/slide12.xml><?xml version="1.0" encoding="utf-8"?>
 <p:sld xmlns:a="http://schemas.openxmlformats.org/drawingml/2006/main" xmlns:r="http://schemas.openxmlformats.org/officeDocument/2006/relationships" xmlns:p="http://schemas.openxmlformats.org/presentationml/2006/main">
   <p:cSld>
     <p:spTree>
@@ -15942,11 +16759,11 @@
           <a:p>
             <a:r>
               <a:rPr lang="de-DE" dirty="0" smtClean="0"/>
-              <a:t>VI. Der </a:t>
+              <a:t>V. </a:t>
             </a:r>
             <a:r>
               <a:rPr lang="de-DE" dirty="0" smtClean="0"/>
-              <a:t>Plan zur Umsetzung</a:t>
+              <a:t>Der Plan zur Umsetzung</a:t>
             </a:r>
             <a:endParaRPr lang="de-DE" dirty="0"/>
           </a:p>
@@ -16024,7 +16841,7 @@
             <a:fld id="{AF352947-28F3-421A-90B8-970A12ACB341}" type="slidenum">
               <a:rPr lang="de-DE" smtClean="0"/>
               <a:pPr/>
-              <a:t>11</a:t>
+              <a:t>12</a:t>
             </a:fld>
             <a:endParaRPr lang="de-DE" dirty="0"/>
           </a:p>
@@ -16075,20 +16892,20 @@
           <p:nvPr>
             <p:extLst>
               <p:ext uri="{D42A27DB-BD31-4B8C-83A1-F6EECF244321}">
-                <p14:modId xmlns:p14="http://schemas.microsoft.com/office/powerpoint/2010/main" val="3553575914"/>
+                <p14:modId xmlns:p14="http://schemas.microsoft.com/office/powerpoint/2010/main" val="2636308449"/>
               </p:ext>
             </p:extLst>
           </p:nvPr>
         </p:nvGraphicFramePr>
         <p:xfrm>
-          <a:off x="774281" y="2131758"/>
+          <a:off x="760159" y="2018726"/>
           <a:ext cx="4916023" cy="3473912"/>
         </p:xfrm>
         <a:graphic>
           <a:graphicData uri="http://schemas.openxmlformats.org/presentationml/2006/ole">
             <mc:AlternateContent xmlns:mc="http://schemas.openxmlformats.org/markup-compatibility/2006">
               <mc:Choice xmlns:v="urn:schemas-microsoft-com:vml" Requires="v">
-                <p:oleObj spid="_x0000_s1034" name="Acrobat Document" r:id="rId3" imgW="5346330" imgH="3778206" progId="AcroExch.Document.11">
+                <p:oleObj spid="_x0000_s1041" name="Acrobat Document" r:id="rId3" imgW="5346330" imgH="3778206" progId="AcroExch.Document.11">
                   <p:embed/>
                 </p:oleObj>
               </mc:Choice>
@@ -16109,8 +16926,65 @@
                     </p:blipFill>
                     <p:spPr>
                       <a:xfrm>
-                        <a:off x="774281" y="2131758"/>
+                        <a:off x="760159" y="2018726"/>
                         <a:ext cx="4916023" cy="3473912"/>
+                      </a:xfrm>
+                      <a:prstGeom prst="rect">
+                        <a:avLst/>
+                      </a:prstGeom>
+                    </p:spPr>
+                  </p:pic>
+                </p:oleObj>
+              </mc:Fallback>
+            </mc:AlternateContent>
+          </a:graphicData>
+        </a:graphic>
+      </p:graphicFrame>
+      <p:graphicFrame>
+        <p:nvGraphicFramePr>
+          <p:cNvPr id="9" name="Objekt 8"/>
+          <p:cNvGraphicFramePr>
+            <a:graphicFrameLocks noChangeAspect="1"/>
+          </p:cNvGraphicFramePr>
+          <p:nvPr>
+            <p:extLst>
+              <p:ext uri="{D42A27DB-BD31-4B8C-83A1-F6EECF244321}">
+                <p14:modId xmlns:p14="http://schemas.microsoft.com/office/powerpoint/2010/main" val="3709599450"/>
+              </p:ext>
+            </p:extLst>
+          </p:nvPr>
+        </p:nvGraphicFramePr>
+        <p:xfrm>
+          <a:off x="628647" y="711425"/>
+          <a:ext cx="7759979" cy="5483596"/>
+        </p:xfrm>
+        <a:graphic>
+          <a:graphicData uri="http://schemas.openxmlformats.org/presentationml/2006/ole">
+            <mc:AlternateContent xmlns:mc="http://schemas.openxmlformats.org/markup-compatibility/2006">
+              <mc:Choice xmlns:v="urn:schemas-microsoft-com:vml" Requires="v">
+                <p:oleObj spid="_x0000_s1042" name="Acrobat Document" r:id="rId5" imgW="5346330" imgH="3778206" progId="AcroExch.Document.11">
+                  <p:embed/>
+                </p:oleObj>
+              </mc:Choice>
+              <mc:Fallback>
+                <p:oleObj name="Acrobat Document" r:id="rId5" imgW="5346330" imgH="3778206" progId="AcroExch.Document.11">
+                  <p:embed/>
+                  <p:pic>
+                    <p:nvPicPr>
+                      <p:cNvPr id="0" name=""/>
+                      <p:cNvPicPr/>
+                      <p:nvPr/>
+                    </p:nvPicPr>
+                    <p:blipFill>
+                      <a:blip r:embed="rId4"/>
+                      <a:stretch>
+                        <a:fillRect/>
+                      </a:stretch>
+                    </p:blipFill>
+                    <p:spPr>
+                      <a:xfrm>
+                        <a:off x="628647" y="711425"/>
+                        <a:ext cx="7759979" cy="5483596"/>
                       </a:xfrm>
                       <a:prstGeom prst="rect">
                         <a:avLst/>
@@ -16244,6 +17118,239 @@
                       </p:childTnLst>
                     </p:cTn>
                   </p:par>
+                  <p:par>
+                    <p:cTn id="9" fill="hold">
+                      <p:stCondLst>
+                        <p:cond delay="indefinite"/>
+                      </p:stCondLst>
+                      <p:childTnLst>
+                        <p:par>
+                          <p:cTn id="10" fill="hold">
+                            <p:stCondLst>
+                              <p:cond delay="0"/>
+                            </p:stCondLst>
+                            <p:childTnLst>
+                              <p:par>
+                                <p:cTn id="11" presetID="53" presetClass="entr" presetSubtype="16" fill="hold" nodeType="clickEffect">
+                                  <p:stCondLst>
+                                    <p:cond delay="0"/>
+                                  </p:stCondLst>
+                                  <p:childTnLst>
+                                    <p:set>
+                                      <p:cBhvr>
+                                        <p:cTn id="12" dur="1" fill="hold">
+                                          <p:stCondLst>
+                                            <p:cond delay="0"/>
+                                          </p:stCondLst>
+                                        </p:cTn>
+                                        <p:tgtEl>
+                                          <p:spTgt spid="8"/>
+                                        </p:tgtEl>
+                                        <p:attrNameLst>
+                                          <p:attrName>style.visibility</p:attrName>
+                                        </p:attrNameLst>
+                                      </p:cBhvr>
+                                      <p:to>
+                                        <p:strVal val="visible"/>
+                                      </p:to>
+                                    </p:set>
+                                    <p:anim calcmode="lin" valueType="num">
+                                      <p:cBhvr>
+                                        <p:cTn id="13" dur="500" fill="hold"/>
+                                        <p:tgtEl>
+                                          <p:spTgt spid="8"/>
+                                        </p:tgtEl>
+                                        <p:attrNameLst>
+                                          <p:attrName>ppt_w</p:attrName>
+                                        </p:attrNameLst>
+                                      </p:cBhvr>
+                                      <p:tavLst>
+                                        <p:tav tm="0">
+                                          <p:val>
+                                            <p:fltVal val="0"/>
+                                          </p:val>
+                                        </p:tav>
+                                        <p:tav tm="100000">
+                                          <p:val>
+                                            <p:strVal val="#ppt_w"/>
+                                          </p:val>
+                                        </p:tav>
+                                      </p:tavLst>
+                                    </p:anim>
+                                    <p:anim calcmode="lin" valueType="num">
+                                      <p:cBhvr>
+                                        <p:cTn id="14" dur="500" fill="hold"/>
+                                        <p:tgtEl>
+                                          <p:spTgt spid="8"/>
+                                        </p:tgtEl>
+                                        <p:attrNameLst>
+                                          <p:attrName>ppt_h</p:attrName>
+                                        </p:attrNameLst>
+                                      </p:cBhvr>
+                                      <p:tavLst>
+                                        <p:tav tm="0">
+                                          <p:val>
+                                            <p:fltVal val="0"/>
+                                          </p:val>
+                                        </p:tav>
+                                        <p:tav tm="100000">
+                                          <p:val>
+                                            <p:strVal val="#ppt_h"/>
+                                          </p:val>
+                                        </p:tav>
+                                      </p:tavLst>
+                                    </p:anim>
+                                    <p:animEffect transition="in" filter="fade">
+                                      <p:cBhvr>
+                                        <p:cTn id="15" dur="500"/>
+                                        <p:tgtEl>
+                                          <p:spTgt spid="8"/>
+                                        </p:tgtEl>
+                                      </p:cBhvr>
+                                    </p:animEffect>
+                                  </p:childTnLst>
+                                </p:cTn>
+                              </p:par>
+                            </p:childTnLst>
+                          </p:cTn>
+                        </p:par>
+                      </p:childTnLst>
+                    </p:cTn>
+                  </p:par>
+                  <p:par>
+                    <p:cTn id="16" fill="hold">
+                      <p:stCondLst>
+                        <p:cond delay="indefinite"/>
+                      </p:stCondLst>
+                      <p:childTnLst>
+                        <p:par>
+                          <p:cTn id="17" fill="hold">
+                            <p:stCondLst>
+                              <p:cond delay="0"/>
+                            </p:stCondLst>
+                            <p:childTnLst>
+                              <p:par>
+                                <p:cTn id="18" presetID="53" presetClass="entr" presetSubtype="16" fill="hold" nodeType="clickEffect">
+                                  <p:stCondLst>
+                                    <p:cond delay="0"/>
+                                  </p:stCondLst>
+                                  <p:childTnLst>
+                                    <p:set>
+                                      <p:cBhvr>
+                                        <p:cTn id="19" dur="1" fill="hold">
+                                          <p:stCondLst>
+                                            <p:cond delay="0"/>
+                                          </p:stCondLst>
+                                        </p:cTn>
+                                        <p:tgtEl>
+                                          <p:spTgt spid="9"/>
+                                        </p:tgtEl>
+                                        <p:attrNameLst>
+                                          <p:attrName>style.visibility</p:attrName>
+                                        </p:attrNameLst>
+                                      </p:cBhvr>
+                                      <p:to>
+                                        <p:strVal val="visible"/>
+                                      </p:to>
+                                    </p:set>
+                                    <p:anim calcmode="lin" valueType="num">
+                                      <p:cBhvr>
+                                        <p:cTn id="20" dur="500" fill="hold"/>
+                                        <p:tgtEl>
+                                          <p:spTgt spid="9"/>
+                                        </p:tgtEl>
+                                        <p:attrNameLst>
+                                          <p:attrName>ppt_w</p:attrName>
+                                        </p:attrNameLst>
+                                      </p:cBhvr>
+                                      <p:tavLst>
+                                        <p:tav tm="0">
+                                          <p:val>
+                                            <p:fltVal val="0"/>
+                                          </p:val>
+                                        </p:tav>
+                                        <p:tav tm="100000">
+                                          <p:val>
+                                            <p:strVal val="#ppt_w"/>
+                                          </p:val>
+                                        </p:tav>
+                                      </p:tavLst>
+                                    </p:anim>
+                                    <p:anim calcmode="lin" valueType="num">
+                                      <p:cBhvr>
+                                        <p:cTn id="21" dur="500" fill="hold"/>
+                                        <p:tgtEl>
+                                          <p:spTgt spid="9"/>
+                                        </p:tgtEl>
+                                        <p:attrNameLst>
+                                          <p:attrName>ppt_h</p:attrName>
+                                        </p:attrNameLst>
+                                      </p:cBhvr>
+                                      <p:tavLst>
+                                        <p:tav tm="0">
+                                          <p:val>
+                                            <p:fltVal val="0"/>
+                                          </p:val>
+                                        </p:tav>
+                                        <p:tav tm="100000">
+                                          <p:val>
+                                            <p:strVal val="#ppt_h"/>
+                                          </p:val>
+                                        </p:tav>
+                                      </p:tavLst>
+                                    </p:anim>
+                                    <p:animEffect transition="in" filter="fade">
+                                      <p:cBhvr>
+                                        <p:cTn id="22" dur="500"/>
+                                        <p:tgtEl>
+                                          <p:spTgt spid="9"/>
+                                        </p:tgtEl>
+                                      </p:cBhvr>
+                                    </p:animEffect>
+                                  </p:childTnLst>
+                                </p:cTn>
+                              </p:par>
+                              <p:par>
+                                <p:cTn id="23" presetID="10" presetClass="exit" presetSubtype="0" fill="hold" nodeType="withEffect">
+                                  <p:stCondLst>
+                                    <p:cond delay="0"/>
+                                  </p:stCondLst>
+                                  <p:childTnLst>
+                                    <p:animEffect transition="out" filter="fade">
+                                      <p:cBhvr>
+                                        <p:cTn id="24" dur="500"/>
+                                        <p:tgtEl>
+                                          <p:spTgt spid="8"/>
+                                        </p:tgtEl>
+                                      </p:cBhvr>
+                                    </p:animEffect>
+                                    <p:set>
+                                      <p:cBhvr>
+                                        <p:cTn id="25" dur="1" fill="hold">
+                                          <p:stCondLst>
+                                            <p:cond delay="499"/>
+                                          </p:stCondLst>
+                                        </p:cTn>
+                                        <p:tgtEl>
+                                          <p:spTgt spid="8"/>
+                                        </p:tgtEl>
+                                        <p:attrNameLst>
+                                          <p:attrName>style.visibility</p:attrName>
+                                        </p:attrNameLst>
+                                      </p:cBhvr>
+                                      <p:to>
+                                        <p:strVal val="hidden"/>
+                                      </p:to>
+                                    </p:set>
+                                  </p:childTnLst>
+                                </p:cTn>
+                              </p:par>
+                            </p:childTnLst>
+                          </p:cTn>
+                        </p:par>
+                      </p:childTnLst>
+                    </p:cTn>
+                  </p:par>
                 </p:childTnLst>
               </p:cTn>
               <p:prevCondLst>
@@ -16272,7 +17379,299 @@
 </p:sld>
 </file>
 
-<file path=ppt/slides/slide12.xml><?xml version="1.0" encoding="utf-8"?>
+<file path=ppt/slides/slide13.xml><?xml version="1.0" encoding="utf-8"?>
+<p:sld xmlns:a="http://schemas.openxmlformats.org/drawingml/2006/main" xmlns:r="http://schemas.openxmlformats.org/officeDocument/2006/relationships" xmlns:p="http://schemas.openxmlformats.org/presentationml/2006/main">
+  <p:cSld>
+    <p:spTree>
+      <p:nvGrpSpPr>
+        <p:cNvPr id="1" name=""/>
+        <p:cNvGrpSpPr/>
+        <p:nvPr/>
+      </p:nvGrpSpPr>
+      <p:grpSpPr>
+        <a:xfrm>
+          <a:off x="0" y="0"/>
+          <a:ext cx="0" cy="0"/>
+          <a:chOff x="0" y="0"/>
+          <a:chExt cx="0" cy="0"/>
+        </a:xfrm>
+      </p:grpSpPr>
+      <p:sp>
+        <p:nvSpPr>
+          <p:cNvPr id="2" name="Titel 1"/>
+          <p:cNvSpPr>
+            <a:spLocks noGrp="1"/>
+          </p:cNvSpPr>
+          <p:nvPr>
+            <p:ph type="title"/>
+          </p:nvPr>
+        </p:nvSpPr>
+        <p:spPr>
+          <a:xfrm>
+            <a:off x="628650" y="785004"/>
+            <a:ext cx="7886700" cy="905685"/>
+          </a:xfrm>
+        </p:spPr>
+        <p:txBody>
+          <a:bodyPr/>
+          <a:lstStyle/>
+          <a:p>
+            <a:r>
+              <a:rPr lang="de-DE" dirty="0" smtClean="0"/>
+              <a:t>VI</a:t>
+            </a:r>
+            <a:r>
+              <a:rPr lang="de-DE" dirty="0" smtClean="0"/>
+              <a:t>. </a:t>
+            </a:r>
+            <a:r>
+              <a:rPr lang="de-DE" dirty="0" smtClean="0"/>
+              <a:t>Das Angebot</a:t>
+            </a:r>
+            <a:endParaRPr lang="de-DE" dirty="0"/>
+          </a:p>
+        </p:txBody>
+      </p:sp>
+      <p:sp>
+        <p:nvSpPr>
+          <p:cNvPr id="3" name="Datumsplatzhalter 2"/>
+          <p:cNvSpPr>
+            <a:spLocks noGrp="1"/>
+          </p:cNvSpPr>
+          <p:nvPr>
+            <p:ph type="dt" sz="half" idx="10"/>
+          </p:nvPr>
+        </p:nvSpPr>
+        <p:spPr/>
+        <p:txBody>
+          <a:bodyPr/>
+          <a:lstStyle/>
+          <a:p>
+            <a:fld id="{AFFC6BE6-CD2A-4CF5-97F9-C96353520506}" type="datetime1">
+              <a:rPr lang="de-DE" smtClean="0"/>
+              <a:t>16.02.2017</a:t>
+            </a:fld>
+            <a:endParaRPr lang="de-DE" dirty="0"/>
+          </a:p>
+        </p:txBody>
+      </p:sp>
+      <p:sp>
+        <p:nvSpPr>
+          <p:cNvPr id="4" name="Fußzeilenplatzhalter 3"/>
+          <p:cNvSpPr>
+            <a:spLocks noGrp="1"/>
+          </p:cNvSpPr>
+          <p:nvPr>
+            <p:ph type="ftr" sz="quarter" idx="11"/>
+          </p:nvPr>
+        </p:nvSpPr>
+        <p:spPr/>
+        <p:txBody>
+          <a:bodyPr/>
+          <a:lstStyle/>
+          <a:p>
+            <a:r>
+              <a:rPr lang="de-DE" dirty="0" smtClean="0"/>
+              <a:t>Concept-IT GmbH </a:t>
+            </a:r>
+            <a:r>
+              <a:rPr lang="de-DE" dirty="0"/>
+              <a:t>| Projekt HeatBox</a:t>
+            </a:r>
+          </a:p>
+        </p:txBody>
+      </p:sp>
+      <p:sp>
+        <p:nvSpPr>
+          <p:cNvPr id="5" name="Foliennummernplatzhalter 4"/>
+          <p:cNvSpPr>
+            <a:spLocks noGrp="1"/>
+          </p:cNvSpPr>
+          <p:nvPr>
+            <p:ph type="sldNum" sz="quarter" idx="12"/>
+          </p:nvPr>
+        </p:nvSpPr>
+        <p:spPr/>
+        <p:txBody>
+          <a:bodyPr/>
+          <a:lstStyle/>
+          <a:p>
+            <a:fld id="{AF352947-28F3-421A-90B8-970A12ACB341}" type="slidenum">
+              <a:rPr lang="de-DE" smtClean="0"/>
+              <a:pPr/>
+              <a:t>13</a:t>
+            </a:fld>
+            <a:endParaRPr lang="de-DE" dirty="0"/>
+          </a:p>
+        </p:txBody>
+      </p:sp>
+      <p:pic>
+        <p:nvPicPr>
+          <p:cNvPr id="7" name="Grafik 6">
+            <a:hlinkClick r:id="rId2" action="ppaction://hlinkfile"/>
+          </p:cNvPr>
+          <p:cNvPicPr>
+            <a:picLocks noChangeAspect="1"/>
+          </p:cNvPicPr>
+          <p:nvPr/>
+        </p:nvPicPr>
+        <p:blipFill>
+          <a:blip r:embed="rId3">
+            <a:extLst>
+              <a:ext uri="{28A0092B-C50C-407E-A947-70E740481C1C}">
+                <a14:useLocalDpi xmlns:a14="http://schemas.microsoft.com/office/drawing/2010/main" val="0"/>
+              </a:ext>
+            </a:extLst>
+          </a:blip>
+          <a:stretch>
+            <a:fillRect/>
+          </a:stretch>
+        </p:blipFill>
+        <p:spPr>
+          <a:xfrm>
+            <a:off x="3021496" y="1636130"/>
+            <a:ext cx="2964253" cy="4237322"/>
+          </a:xfrm>
+          <a:prstGeom prst="rect">
+            <a:avLst/>
+          </a:prstGeom>
+        </p:spPr>
+      </p:pic>
+    </p:spTree>
+    <p:extLst>
+      <p:ext uri="{BB962C8B-B14F-4D97-AF65-F5344CB8AC3E}">
+        <p14:creationId xmlns:p14="http://schemas.microsoft.com/office/powerpoint/2010/main" val="125431170"/>
+      </p:ext>
+    </p:extLst>
+  </p:cSld>
+  <p:clrMapOvr>
+    <a:masterClrMapping/>
+  </p:clrMapOvr>
+  <p:timing>
+    <p:tnLst>
+      <p:par>
+        <p:cTn id="1" dur="indefinite" restart="never" nodeType="tmRoot">
+          <p:childTnLst>
+            <p:seq concurrent="1" nextAc="seek">
+              <p:cTn id="2" dur="indefinite" nodeType="mainSeq">
+                <p:childTnLst>
+                  <p:par>
+                    <p:cTn id="3" fill="hold">
+                      <p:stCondLst>
+                        <p:cond delay="indefinite"/>
+                      </p:stCondLst>
+                      <p:childTnLst>
+                        <p:par>
+                          <p:cTn id="4" fill="hold">
+                            <p:stCondLst>
+                              <p:cond delay="0"/>
+                            </p:stCondLst>
+                            <p:childTnLst>
+                              <p:par>
+                                <p:cTn id="5" presetID="2" presetClass="entr" presetSubtype="4" fill="hold" nodeType="clickEffect">
+                                  <p:stCondLst>
+                                    <p:cond delay="0"/>
+                                  </p:stCondLst>
+                                  <p:childTnLst>
+                                    <p:set>
+                                      <p:cBhvr>
+                                        <p:cTn id="6" dur="1" fill="hold">
+                                          <p:stCondLst>
+                                            <p:cond delay="0"/>
+                                          </p:stCondLst>
+                                        </p:cTn>
+                                        <p:tgtEl>
+                                          <p:spTgt spid="7"/>
+                                        </p:tgtEl>
+                                        <p:attrNameLst>
+                                          <p:attrName>style.visibility</p:attrName>
+                                        </p:attrNameLst>
+                                      </p:cBhvr>
+                                      <p:to>
+                                        <p:strVal val="visible"/>
+                                      </p:to>
+                                    </p:set>
+                                    <p:anim calcmode="lin" valueType="num">
+                                      <p:cBhvr additive="base">
+                                        <p:cTn id="7" dur="500" fill="hold"/>
+                                        <p:tgtEl>
+                                          <p:spTgt spid="7"/>
+                                        </p:tgtEl>
+                                        <p:attrNameLst>
+                                          <p:attrName>ppt_x</p:attrName>
+                                        </p:attrNameLst>
+                                      </p:cBhvr>
+                                      <p:tavLst>
+                                        <p:tav tm="0">
+                                          <p:val>
+                                            <p:strVal val="#ppt_x"/>
+                                          </p:val>
+                                        </p:tav>
+                                        <p:tav tm="100000">
+                                          <p:val>
+                                            <p:strVal val="#ppt_x"/>
+                                          </p:val>
+                                        </p:tav>
+                                      </p:tavLst>
+                                    </p:anim>
+                                    <p:anim calcmode="lin" valueType="num">
+                                      <p:cBhvr additive="base">
+                                        <p:cTn id="8" dur="500" fill="hold"/>
+                                        <p:tgtEl>
+                                          <p:spTgt spid="7"/>
+                                        </p:tgtEl>
+                                        <p:attrNameLst>
+                                          <p:attrName>ppt_y</p:attrName>
+                                        </p:attrNameLst>
+                                      </p:cBhvr>
+                                      <p:tavLst>
+                                        <p:tav tm="0">
+                                          <p:val>
+                                            <p:strVal val="1+#ppt_h/2"/>
+                                          </p:val>
+                                        </p:tav>
+                                        <p:tav tm="100000">
+                                          <p:val>
+                                            <p:strVal val="#ppt_y"/>
+                                          </p:val>
+                                        </p:tav>
+                                      </p:tavLst>
+                                    </p:anim>
+                                  </p:childTnLst>
+                                </p:cTn>
+                              </p:par>
+                            </p:childTnLst>
+                          </p:cTn>
+                        </p:par>
+                      </p:childTnLst>
+                    </p:cTn>
+                  </p:par>
+                </p:childTnLst>
+              </p:cTn>
+              <p:prevCondLst>
+                <p:cond evt="onPrev" delay="0">
+                  <p:tgtEl>
+                    <p:sldTgt/>
+                  </p:tgtEl>
+                </p:cond>
+              </p:prevCondLst>
+              <p:nextCondLst>
+                <p:cond evt="onNext" delay="0">
+                  <p:tgtEl>
+                    <p:sldTgt/>
+                  </p:tgtEl>
+                </p:cond>
+              </p:nextCondLst>
+            </p:seq>
+          </p:childTnLst>
+        </p:cTn>
+      </p:par>
+    </p:tnLst>
+  </p:timing>
+</p:sld>
+</file>
+
+<file path=ppt/slides/slide14.xml><?xml version="1.0" encoding="utf-8"?>
 <p:sld xmlns:a="http://schemas.openxmlformats.org/drawingml/2006/main" xmlns:r="http://schemas.openxmlformats.org/officeDocument/2006/relationships" xmlns:p="http://schemas.openxmlformats.org/presentationml/2006/main">
   <p:cSld>
     <p:spTree>
@@ -16353,7 +17752,7 @@
             <a:fld id="{AF352947-28F3-421A-90B8-970A12ACB341}" type="slidenum">
               <a:rPr lang="de-DE" smtClean="0"/>
               <a:pPr/>
-              <a:t>12</a:t>
+              <a:t>14</a:t>
             </a:fld>
             <a:endParaRPr lang="de-DE" dirty="0"/>
           </a:p>
@@ -16576,17 +17975,7 @@
                   </a:schemeClr>
                 </a:solidFill>
               </a:rPr>
-              <a:t>Die </a:t>
-            </a:r>
-            <a:r>
-              <a:rPr lang="de-DE" dirty="0" smtClean="0">
-                <a:solidFill>
-                  <a:schemeClr val="accent1">
-                    <a:lumMod val="50000"/>
-                  </a:schemeClr>
-                </a:solidFill>
-              </a:rPr>
-              <a:t>Wünsche des Kunden – Das Lastenheft</a:t>
+              <a:t>Die Wünsche des Kunden – Das Lastenheft</a:t>
             </a:r>
           </a:p>
           <a:p>
@@ -16598,7 +17987,17 @@
                   </a:schemeClr>
                 </a:solidFill>
               </a:rPr>
-              <a:t>Das Angebot</a:t>
+              <a:t>Die </a:t>
+            </a:r>
+            <a:r>
+              <a:rPr lang="de-DE" dirty="0" smtClean="0">
+                <a:solidFill>
+                  <a:schemeClr val="accent1">
+                    <a:lumMod val="50000"/>
+                  </a:schemeClr>
+                </a:solidFill>
+              </a:rPr>
+              <a:t>Hoffnung des Teams – Das Pflichtenheft</a:t>
             </a:r>
           </a:p>
           <a:p>
@@ -16610,10 +18009,8 @@
                   </a:schemeClr>
                 </a:solidFill>
               </a:rPr>
-              <a:t>Die Hoffnung des Teams – Das Pflichtenheft</a:t>
+              <a:t>Der Plan zur Umsetzung – </a:t>
             </a:r>
-          </a:p>
-          <a:p>
             <a:r>
               <a:rPr lang="de-DE" dirty="0" smtClean="0">
                 <a:solidFill>
@@ -16622,8 +18019,37 @@
                   </a:schemeClr>
                 </a:solidFill>
               </a:rPr>
-              <a:t>Der Plan zur Umsetzung – die Projektplanung</a:t>
+              <a:t>Die Projektplanung</a:t>
             </a:r>
+          </a:p>
+          <a:p>
+            <a:r>
+              <a:rPr lang="de-DE" dirty="0">
+                <a:solidFill>
+                  <a:schemeClr val="accent1">
+                    <a:lumMod val="50000"/>
+                  </a:schemeClr>
+                </a:solidFill>
+              </a:rPr>
+              <a:t>Das </a:t>
+            </a:r>
+            <a:r>
+              <a:rPr lang="de-DE" dirty="0" smtClean="0">
+                <a:solidFill>
+                  <a:schemeClr val="accent1">
+                    <a:lumMod val="50000"/>
+                  </a:schemeClr>
+                </a:solidFill>
+              </a:rPr>
+              <a:t>Angebot</a:t>
+            </a:r>
+            <a:endParaRPr lang="de-DE" dirty="0">
+              <a:solidFill>
+                <a:schemeClr val="accent1">
+                  <a:lumMod val="50000"/>
+                </a:schemeClr>
+              </a:solidFill>
+            </a:endParaRPr>
           </a:p>
         </p:txBody>
       </p:sp>
@@ -19685,294 +21111,6 @@
             <p:ph type="title"/>
           </p:nvPr>
         </p:nvSpPr>
-        <p:spPr>
-          <a:xfrm>
-            <a:off x="628650" y="785004"/>
-            <a:ext cx="7886700" cy="905685"/>
-          </a:xfrm>
-        </p:spPr>
-        <p:txBody>
-          <a:bodyPr/>
-          <a:lstStyle/>
-          <a:p>
-            <a:r>
-              <a:rPr lang="de-DE" dirty="0" smtClean="0"/>
-              <a:t>IV. Das </a:t>
-            </a:r>
-            <a:r>
-              <a:rPr lang="de-DE" dirty="0" smtClean="0"/>
-              <a:t>Angebot</a:t>
-            </a:r>
-            <a:endParaRPr lang="de-DE" dirty="0"/>
-          </a:p>
-        </p:txBody>
-      </p:sp>
-      <p:sp>
-        <p:nvSpPr>
-          <p:cNvPr id="3" name="Datumsplatzhalter 2"/>
-          <p:cNvSpPr>
-            <a:spLocks noGrp="1"/>
-          </p:cNvSpPr>
-          <p:nvPr>
-            <p:ph type="dt" sz="half" idx="10"/>
-          </p:nvPr>
-        </p:nvSpPr>
-        <p:spPr/>
-        <p:txBody>
-          <a:bodyPr/>
-          <a:lstStyle/>
-          <a:p>
-            <a:fld id="{AFFC6BE6-CD2A-4CF5-97F9-C96353520506}" type="datetime1">
-              <a:rPr lang="de-DE" smtClean="0"/>
-              <a:t>16.02.2017</a:t>
-            </a:fld>
-            <a:endParaRPr lang="de-DE" dirty="0"/>
-          </a:p>
-        </p:txBody>
-      </p:sp>
-      <p:sp>
-        <p:nvSpPr>
-          <p:cNvPr id="4" name="Fußzeilenplatzhalter 3"/>
-          <p:cNvSpPr>
-            <a:spLocks noGrp="1"/>
-          </p:cNvSpPr>
-          <p:nvPr>
-            <p:ph type="ftr" sz="quarter" idx="11"/>
-          </p:nvPr>
-        </p:nvSpPr>
-        <p:spPr/>
-        <p:txBody>
-          <a:bodyPr/>
-          <a:lstStyle/>
-          <a:p>
-            <a:r>
-              <a:rPr lang="de-DE" dirty="0" smtClean="0"/>
-              <a:t>Concept-IT GmbH </a:t>
-            </a:r>
-            <a:r>
-              <a:rPr lang="de-DE" dirty="0"/>
-              <a:t>| Projekt HeatBox</a:t>
-            </a:r>
-          </a:p>
-        </p:txBody>
-      </p:sp>
-      <p:sp>
-        <p:nvSpPr>
-          <p:cNvPr id="5" name="Foliennummernplatzhalter 4"/>
-          <p:cNvSpPr>
-            <a:spLocks noGrp="1"/>
-          </p:cNvSpPr>
-          <p:nvPr>
-            <p:ph type="sldNum" sz="quarter" idx="12"/>
-          </p:nvPr>
-        </p:nvSpPr>
-        <p:spPr/>
-        <p:txBody>
-          <a:bodyPr/>
-          <a:lstStyle/>
-          <a:p>
-            <a:fld id="{AF352947-28F3-421A-90B8-970A12ACB341}" type="slidenum">
-              <a:rPr lang="de-DE" smtClean="0"/>
-              <a:pPr/>
-              <a:t>8</a:t>
-            </a:fld>
-            <a:endParaRPr lang="de-DE" dirty="0"/>
-          </a:p>
-        </p:txBody>
-      </p:sp>
-      <p:pic>
-        <p:nvPicPr>
-          <p:cNvPr id="7" name="Grafik 6">
-            <a:hlinkClick r:id="rId2" action="ppaction://hlinkfile"/>
-          </p:cNvPr>
-          <p:cNvPicPr>
-            <a:picLocks noChangeAspect="1"/>
-          </p:cNvPicPr>
-          <p:nvPr/>
-        </p:nvPicPr>
-        <p:blipFill>
-          <a:blip r:embed="rId3">
-            <a:extLst>
-              <a:ext uri="{28A0092B-C50C-407E-A947-70E740481C1C}">
-                <a14:useLocalDpi xmlns:a14="http://schemas.microsoft.com/office/drawing/2010/main" val="0"/>
-              </a:ext>
-            </a:extLst>
-          </a:blip>
-          <a:stretch>
-            <a:fillRect/>
-          </a:stretch>
-        </p:blipFill>
-        <p:spPr>
-          <a:xfrm>
-            <a:off x="3021496" y="1636130"/>
-            <a:ext cx="2964253" cy="4237322"/>
-          </a:xfrm>
-          <a:prstGeom prst="rect">
-            <a:avLst/>
-          </a:prstGeom>
-        </p:spPr>
-      </p:pic>
-    </p:spTree>
-    <p:extLst>
-      <p:ext uri="{BB962C8B-B14F-4D97-AF65-F5344CB8AC3E}">
-        <p14:creationId xmlns:p14="http://schemas.microsoft.com/office/powerpoint/2010/main" val="1517223137"/>
-      </p:ext>
-    </p:extLst>
-  </p:cSld>
-  <p:clrMapOvr>
-    <a:masterClrMapping/>
-  </p:clrMapOvr>
-  <p:timing>
-    <p:tnLst>
-      <p:par>
-        <p:cTn id="1" dur="indefinite" restart="never" nodeType="tmRoot">
-          <p:childTnLst>
-            <p:seq concurrent="1" nextAc="seek">
-              <p:cTn id="2" dur="indefinite" nodeType="mainSeq">
-                <p:childTnLst>
-                  <p:par>
-                    <p:cTn id="3" fill="hold">
-                      <p:stCondLst>
-                        <p:cond delay="indefinite"/>
-                      </p:stCondLst>
-                      <p:childTnLst>
-                        <p:par>
-                          <p:cTn id="4" fill="hold">
-                            <p:stCondLst>
-                              <p:cond delay="0"/>
-                            </p:stCondLst>
-                            <p:childTnLst>
-                              <p:par>
-                                <p:cTn id="5" presetID="2" presetClass="entr" presetSubtype="4" fill="hold" nodeType="clickEffect">
-                                  <p:stCondLst>
-                                    <p:cond delay="0"/>
-                                  </p:stCondLst>
-                                  <p:childTnLst>
-                                    <p:set>
-                                      <p:cBhvr>
-                                        <p:cTn id="6" dur="1" fill="hold">
-                                          <p:stCondLst>
-                                            <p:cond delay="0"/>
-                                          </p:stCondLst>
-                                        </p:cTn>
-                                        <p:tgtEl>
-                                          <p:spTgt spid="7"/>
-                                        </p:tgtEl>
-                                        <p:attrNameLst>
-                                          <p:attrName>style.visibility</p:attrName>
-                                        </p:attrNameLst>
-                                      </p:cBhvr>
-                                      <p:to>
-                                        <p:strVal val="visible"/>
-                                      </p:to>
-                                    </p:set>
-                                    <p:anim calcmode="lin" valueType="num">
-                                      <p:cBhvr additive="base">
-                                        <p:cTn id="7" dur="500" fill="hold"/>
-                                        <p:tgtEl>
-                                          <p:spTgt spid="7"/>
-                                        </p:tgtEl>
-                                        <p:attrNameLst>
-                                          <p:attrName>ppt_x</p:attrName>
-                                        </p:attrNameLst>
-                                      </p:cBhvr>
-                                      <p:tavLst>
-                                        <p:tav tm="0">
-                                          <p:val>
-                                            <p:strVal val="#ppt_x"/>
-                                          </p:val>
-                                        </p:tav>
-                                        <p:tav tm="100000">
-                                          <p:val>
-                                            <p:strVal val="#ppt_x"/>
-                                          </p:val>
-                                        </p:tav>
-                                      </p:tavLst>
-                                    </p:anim>
-                                    <p:anim calcmode="lin" valueType="num">
-                                      <p:cBhvr additive="base">
-                                        <p:cTn id="8" dur="500" fill="hold"/>
-                                        <p:tgtEl>
-                                          <p:spTgt spid="7"/>
-                                        </p:tgtEl>
-                                        <p:attrNameLst>
-                                          <p:attrName>ppt_y</p:attrName>
-                                        </p:attrNameLst>
-                                      </p:cBhvr>
-                                      <p:tavLst>
-                                        <p:tav tm="0">
-                                          <p:val>
-                                            <p:strVal val="1+#ppt_h/2"/>
-                                          </p:val>
-                                        </p:tav>
-                                        <p:tav tm="100000">
-                                          <p:val>
-                                            <p:strVal val="#ppt_y"/>
-                                          </p:val>
-                                        </p:tav>
-                                      </p:tavLst>
-                                    </p:anim>
-                                  </p:childTnLst>
-                                </p:cTn>
-                              </p:par>
-                            </p:childTnLst>
-                          </p:cTn>
-                        </p:par>
-                      </p:childTnLst>
-                    </p:cTn>
-                  </p:par>
-                </p:childTnLst>
-              </p:cTn>
-              <p:prevCondLst>
-                <p:cond evt="onPrev" delay="0">
-                  <p:tgtEl>
-                    <p:sldTgt/>
-                  </p:tgtEl>
-                </p:cond>
-              </p:prevCondLst>
-              <p:nextCondLst>
-                <p:cond evt="onNext" delay="0">
-                  <p:tgtEl>
-                    <p:sldTgt/>
-                  </p:tgtEl>
-                </p:cond>
-              </p:nextCondLst>
-            </p:seq>
-          </p:childTnLst>
-        </p:cTn>
-      </p:par>
-    </p:tnLst>
-  </p:timing>
-</p:sld>
-</file>
-
-<file path=ppt/slides/slide9.xml><?xml version="1.0" encoding="utf-8"?>
-<p:sld xmlns:a="http://schemas.openxmlformats.org/drawingml/2006/main" xmlns:r="http://schemas.openxmlformats.org/officeDocument/2006/relationships" xmlns:p="http://schemas.openxmlformats.org/presentationml/2006/main">
-  <p:cSld>
-    <p:spTree>
-      <p:nvGrpSpPr>
-        <p:cNvPr id="1" name=""/>
-        <p:cNvGrpSpPr/>
-        <p:nvPr/>
-      </p:nvGrpSpPr>
-      <p:grpSpPr>
-        <a:xfrm>
-          <a:off x="0" y="0"/>
-          <a:ext cx="0" cy="0"/>
-          <a:chOff x="0" y="0"/>
-          <a:chExt cx="0" cy="0"/>
-        </a:xfrm>
-      </p:grpSpPr>
-      <p:sp>
-        <p:nvSpPr>
-          <p:cNvPr id="2" name="Titel 1"/>
-          <p:cNvSpPr>
-            <a:spLocks noGrp="1"/>
-          </p:cNvSpPr>
-          <p:nvPr>
-            <p:ph type="title"/>
-          </p:nvPr>
-        </p:nvSpPr>
         <p:spPr/>
         <p:txBody>
           <a:bodyPr>
@@ -19982,7 +21120,11 @@
           <a:p>
             <a:r>
               <a:rPr lang="de-DE" sz="3600" dirty="0" smtClean="0"/>
-              <a:t>V. Die </a:t>
+              <a:t>IV</a:t>
+            </a:r>
+            <a:r>
+              <a:rPr lang="de-DE" sz="3600" dirty="0" smtClean="0"/>
+              <a:t>. Die </a:t>
             </a:r>
             <a:r>
               <a:rPr lang="de-DE" sz="3600" dirty="0"/>
@@ -20067,7 +21209,7 @@
             <a:fld id="{AF352947-28F3-421A-90B8-970A12ACB341}" type="slidenum">
               <a:rPr lang="de-DE" smtClean="0"/>
               <a:pPr/>
-              <a:t>9</a:t>
+              <a:t>8</a:t>
             </a:fld>
             <a:endParaRPr lang="de-DE" dirty="0"/>
           </a:p>
@@ -20243,6 +21385,442 @@
         </p:cTn>
       </p:par>
     </p:tnLst>
+  </p:timing>
+</p:sld>
+</file>
+
+<file path=ppt/slides/slide9.xml><?xml version="1.0" encoding="utf-8"?>
+<p:sld xmlns:a="http://schemas.openxmlformats.org/drawingml/2006/main" xmlns:r="http://schemas.openxmlformats.org/officeDocument/2006/relationships" xmlns:p="http://schemas.openxmlformats.org/presentationml/2006/main">
+  <p:cSld>
+    <p:spTree>
+      <p:nvGrpSpPr>
+        <p:cNvPr id="1" name=""/>
+        <p:cNvGrpSpPr/>
+        <p:nvPr/>
+      </p:nvGrpSpPr>
+      <p:grpSpPr>
+        <a:xfrm>
+          <a:off x="0" y="0"/>
+          <a:ext cx="0" cy="0"/>
+          <a:chOff x="0" y="0"/>
+          <a:chExt cx="0" cy="0"/>
+        </a:xfrm>
+      </p:grpSpPr>
+      <p:sp>
+        <p:nvSpPr>
+          <p:cNvPr id="2" name="Titel 1"/>
+          <p:cNvSpPr>
+            <a:spLocks noGrp="1"/>
+          </p:cNvSpPr>
+          <p:nvPr>
+            <p:ph type="title"/>
+          </p:nvPr>
+        </p:nvSpPr>
+        <p:spPr/>
+        <p:txBody>
+          <a:bodyPr/>
+          <a:lstStyle/>
+          <a:p>
+            <a:r>
+              <a:rPr lang="de-DE" dirty="0" smtClean="0"/>
+              <a:t>V. </a:t>
+            </a:r>
+            <a:r>
+              <a:rPr lang="de-DE" dirty="0" smtClean="0"/>
+              <a:t>Der Plan zur Umsetzung</a:t>
+            </a:r>
+            <a:endParaRPr lang="de-DE" dirty="0"/>
+          </a:p>
+        </p:txBody>
+      </p:sp>
+      <p:sp>
+        <p:nvSpPr>
+          <p:cNvPr id="3" name="Datumsplatzhalter 2"/>
+          <p:cNvSpPr>
+            <a:spLocks noGrp="1"/>
+          </p:cNvSpPr>
+          <p:nvPr>
+            <p:ph type="dt" sz="half" idx="10"/>
+          </p:nvPr>
+        </p:nvSpPr>
+        <p:spPr/>
+        <p:txBody>
+          <a:bodyPr/>
+          <a:lstStyle/>
+          <a:p>
+            <a:fld id="{AFFC6BE6-CD2A-4CF5-97F9-C96353520506}" type="datetime1">
+              <a:rPr lang="de-DE" smtClean="0"/>
+              <a:t>16.02.2017</a:t>
+            </a:fld>
+            <a:endParaRPr lang="de-DE" dirty="0"/>
+          </a:p>
+        </p:txBody>
+      </p:sp>
+      <p:sp>
+        <p:nvSpPr>
+          <p:cNvPr id="4" name="Fußzeilenplatzhalter 3"/>
+          <p:cNvSpPr>
+            <a:spLocks noGrp="1"/>
+          </p:cNvSpPr>
+          <p:nvPr>
+            <p:ph type="ftr" sz="quarter" idx="11"/>
+          </p:nvPr>
+        </p:nvSpPr>
+        <p:spPr/>
+        <p:txBody>
+          <a:bodyPr/>
+          <a:lstStyle/>
+          <a:p>
+            <a:r>
+              <a:rPr lang="de-DE" dirty="0" err="1" smtClean="0"/>
+              <a:t>Concept</a:t>
+            </a:r>
+            <a:r>
+              <a:rPr lang="de-DE" dirty="0" smtClean="0"/>
+              <a:t>-IT GmbH </a:t>
+            </a:r>
+            <a:r>
+              <a:rPr lang="de-DE" dirty="0"/>
+              <a:t>| Projekt HeatBox</a:t>
+            </a:r>
+          </a:p>
+        </p:txBody>
+      </p:sp>
+      <p:sp>
+        <p:nvSpPr>
+          <p:cNvPr id="5" name="Foliennummernplatzhalter 4"/>
+          <p:cNvSpPr>
+            <a:spLocks noGrp="1"/>
+          </p:cNvSpPr>
+          <p:nvPr>
+            <p:ph type="sldNum" sz="quarter" idx="12"/>
+          </p:nvPr>
+        </p:nvSpPr>
+        <p:spPr/>
+        <p:txBody>
+          <a:bodyPr/>
+          <a:lstStyle/>
+          <a:p>
+            <a:fld id="{AF352947-28F3-421A-90B8-970A12ACB341}" type="slidenum">
+              <a:rPr lang="de-DE" smtClean="0"/>
+              <a:pPr/>
+              <a:t>9</a:t>
+            </a:fld>
+            <a:endParaRPr lang="de-DE" dirty="0"/>
+          </a:p>
+        </p:txBody>
+      </p:sp>
+      <p:sp>
+        <p:nvSpPr>
+          <p:cNvPr id="6" name="Textplatzhalter 5"/>
+          <p:cNvSpPr>
+            <a:spLocks noGrp="1"/>
+          </p:cNvSpPr>
+          <p:nvPr>
+            <p:ph type="body" sz="quarter" idx="13"/>
+          </p:nvPr>
+        </p:nvSpPr>
+        <p:spPr>
+          <a:xfrm>
+            <a:off x="628650" y="1451650"/>
+            <a:ext cx="3277428" cy="615674"/>
+          </a:xfrm>
+        </p:spPr>
+        <p:txBody>
+          <a:bodyPr/>
+          <a:lstStyle/>
+          <a:p>
+            <a:pPr marL="0" indent="0">
+              <a:buNone/>
+            </a:pPr>
+            <a:r>
+              <a:rPr lang="de-DE" dirty="0" smtClean="0"/>
+              <a:t>Projektstrukturplan</a:t>
+            </a:r>
+            <a:endParaRPr lang="de-DE" dirty="0" smtClean="0"/>
+          </a:p>
+          <a:p>
+            <a:pPr marL="0" indent="0">
+              <a:buNone/>
+            </a:pPr>
+            <a:endParaRPr lang="de-DE" dirty="0"/>
+          </a:p>
+        </p:txBody>
+      </p:sp>
+      <p:pic>
+        <p:nvPicPr>
+          <p:cNvPr id="8" name="Grafik 7"/>
+          <p:cNvPicPr>
+            <a:picLocks noChangeAspect="1"/>
+          </p:cNvPicPr>
+          <p:nvPr/>
+        </p:nvPicPr>
+        <p:blipFill>
+          <a:blip r:embed="rId2" cstate="print">
+            <a:extLst>
+              <a:ext uri="{28A0092B-C50C-407E-A947-70E740481C1C}">
+                <a14:useLocalDpi xmlns:a14="http://schemas.microsoft.com/office/drawing/2010/main" val="0"/>
+              </a:ext>
+            </a:extLst>
+          </a:blip>
+          <a:stretch>
+            <a:fillRect/>
+          </a:stretch>
+        </p:blipFill>
+        <p:spPr>
+          <a:xfrm>
+            <a:off x="2267364" y="1451650"/>
+            <a:ext cx="3911302" cy="4611757"/>
+          </a:xfrm>
+          <a:prstGeom prst="rect">
+            <a:avLst/>
+          </a:prstGeom>
+        </p:spPr>
+      </p:pic>
+    </p:spTree>
+    <p:extLst>
+      <p:ext uri="{BB962C8B-B14F-4D97-AF65-F5344CB8AC3E}">
+        <p14:creationId xmlns:p14="http://schemas.microsoft.com/office/powerpoint/2010/main" val="930498654"/>
+      </p:ext>
+    </p:extLst>
+  </p:cSld>
+  <p:clrMapOvr>
+    <a:masterClrMapping/>
+  </p:clrMapOvr>
+  <p:timing>
+    <p:tnLst>
+      <p:par>
+        <p:cTn id="1" dur="indefinite" restart="never" nodeType="tmRoot">
+          <p:childTnLst>
+            <p:seq concurrent="1" nextAc="seek">
+              <p:cTn id="2" dur="indefinite" nodeType="mainSeq">
+                <p:childTnLst>
+                  <p:par>
+                    <p:cTn id="3" fill="hold">
+                      <p:stCondLst>
+                        <p:cond delay="indefinite"/>
+                      </p:stCondLst>
+                      <p:childTnLst>
+                        <p:par>
+                          <p:cTn id="4" fill="hold">
+                            <p:stCondLst>
+                              <p:cond delay="0"/>
+                            </p:stCondLst>
+                            <p:childTnLst>
+                              <p:par>
+                                <p:cTn id="5" presetID="2" presetClass="entr" presetSubtype="4" fill="hold" grpId="0" nodeType="clickEffect">
+                                  <p:stCondLst>
+                                    <p:cond delay="0"/>
+                                  </p:stCondLst>
+                                  <p:childTnLst>
+                                    <p:set>
+                                      <p:cBhvr>
+                                        <p:cTn id="6" dur="1" fill="hold">
+                                          <p:stCondLst>
+                                            <p:cond delay="0"/>
+                                          </p:stCondLst>
+                                        </p:cTn>
+                                        <p:tgtEl>
+                                          <p:spTgt spid="6">
+                                            <p:txEl>
+                                              <p:pRg st="0" end="0"/>
+                                            </p:txEl>
+                                          </p:spTgt>
+                                        </p:tgtEl>
+                                        <p:attrNameLst>
+                                          <p:attrName>style.visibility</p:attrName>
+                                        </p:attrNameLst>
+                                      </p:cBhvr>
+                                      <p:to>
+                                        <p:strVal val="visible"/>
+                                      </p:to>
+                                    </p:set>
+                                    <p:anim calcmode="lin" valueType="num">
+                                      <p:cBhvr additive="base">
+                                        <p:cTn id="7" dur="500" fill="hold"/>
+                                        <p:tgtEl>
+                                          <p:spTgt spid="6">
+                                            <p:txEl>
+                                              <p:pRg st="0" end="0"/>
+                                            </p:txEl>
+                                          </p:spTgt>
+                                        </p:tgtEl>
+                                        <p:attrNameLst>
+                                          <p:attrName>ppt_x</p:attrName>
+                                        </p:attrNameLst>
+                                      </p:cBhvr>
+                                      <p:tavLst>
+                                        <p:tav tm="0">
+                                          <p:val>
+                                            <p:strVal val="#ppt_x"/>
+                                          </p:val>
+                                        </p:tav>
+                                        <p:tav tm="100000">
+                                          <p:val>
+                                            <p:strVal val="#ppt_x"/>
+                                          </p:val>
+                                        </p:tav>
+                                      </p:tavLst>
+                                    </p:anim>
+                                    <p:anim calcmode="lin" valueType="num">
+                                      <p:cBhvr additive="base">
+                                        <p:cTn id="8" dur="500" fill="hold"/>
+                                        <p:tgtEl>
+                                          <p:spTgt spid="6">
+                                            <p:txEl>
+                                              <p:pRg st="0" end="0"/>
+                                            </p:txEl>
+                                          </p:spTgt>
+                                        </p:tgtEl>
+                                        <p:attrNameLst>
+                                          <p:attrName>ppt_y</p:attrName>
+                                        </p:attrNameLst>
+                                      </p:cBhvr>
+                                      <p:tavLst>
+                                        <p:tav tm="0">
+                                          <p:val>
+                                            <p:strVal val="1+#ppt_h/2"/>
+                                          </p:val>
+                                        </p:tav>
+                                        <p:tav tm="100000">
+                                          <p:val>
+                                            <p:strVal val="#ppt_y"/>
+                                          </p:val>
+                                        </p:tav>
+                                      </p:tavLst>
+                                    </p:anim>
+                                  </p:childTnLst>
+                                </p:cTn>
+                              </p:par>
+                            </p:childTnLst>
+                          </p:cTn>
+                        </p:par>
+                      </p:childTnLst>
+                    </p:cTn>
+                  </p:par>
+                  <p:par>
+                    <p:cTn id="9" fill="hold">
+                      <p:stCondLst>
+                        <p:cond delay="indefinite"/>
+                      </p:stCondLst>
+                      <p:childTnLst>
+                        <p:par>
+                          <p:cTn id="10" fill="hold">
+                            <p:stCondLst>
+                              <p:cond delay="0"/>
+                            </p:stCondLst>
+                            <p:childTnLst>
+                              <p:par>
+                                <p:cTn id="11" presetID="53" presetClass="entr" presetSubtype="16" fill="hold" nodeType="clickEffect">
+                                  <p:stCondLst>
+                                    <p:cond delay="0"/>
+                                  </p:stCondLst>
+                                  <p:childTnLst>
+                                    <p:set>
+                                      <p:cBhvr>
+                                        <p:cTn id="12" dur="1" fill="hold">
+                                          <p:stCondLst>
+                                            <p:cond delay="0"/>
+                                          </p:stCondLst>
+                                        </p:cTn>
+                                        <p:tgtEl>
+                                          <p:spTgt spid="8"/>
+                                        </p:tgtEl>
+                                        <p:attrNameLst>
+                                          <p:attrName>style.visibility</p:attrName>
+                                        </p:attrNameLst>
+                                      </p:cBhvr>
+                                      <p:to>
+                                        <p:strVal val="visible"/>
+                                      </p:to>
+                                    </p:set>
+                                    <p:anim calcmode="lin" valueType="num">
+                                      <p:cBhvr>
+                                        <p:cTn id="13" dur="500" fill="hold"/>
+                                        <p:tgtEl>
+                                          <p:spTgt spid="8"/>
+                                        </p:tgtEl>
+                                        <p:attrNameLst>
+                                          <p:attrName>ppt_w</p:attrName>
+                                        </p:attrNameLst>
+                                      </p:cBhvr>
+                                      <p:tavLst>
+                                        <p:tav tm="0">
+                                          <p:val>
+                                            <p:fltVal val="0"/>
+                                          </p:val>
+                                        </p:tav>
+                                        <p:tav tm="100000">
+                                          <p:val>
+                                            <p:strVal val="#ppt_w"/>
+                                          </p:val>
+                                        </p:tav>
+                                      </p:tavLst>
+                                    </p:anim>
+                                    <p:anim calcmode="lin" valueType="num">
+                                      <p:cBhvr>
+                                        <p:cTn id="14" dur="500" fill="hold"/>
+                                        <p:tgtEl>
+                                          <p:spTgt spid="8"/>
+                                        </p:tgtEl>
+                                        <p:attrNameLst>
+                                          <p:attrName>ppt_h</p:attrName>
+                                        </p:attrNameLst>
+                                      </p:cBhvr>
+                                      <p:tavLst>
+                                        <p:tav tm="0">
+                                          <p:val>
+                                            <p:fltVal val="0"/>
+                                          </p:val>
+                                        </p:tav>
+                                        <p:tav tm="100000">
+                                          <p:val>
+                                            <p:strVal val="#ppt_h"/>
+                                          </p:val>
+                                        </p:tav>
+                                      </p:tavLst>
+                                    </p:anim>
+                                    <p:animEffect transition="in" filter="fade">
+                                      <p:cBhvr>
+                                        <p:cTn id="15" dur="500"/>
+                                        <p:tgtEl>
+                                          <p:spTgt spid="8"/>
+                                        </p:tgtEl>
+                                      </p:cBhvr>
+                                    </p:animEffect>
+                                  </p:childTnLst>
+                                </p:cTn>
+                              </p:par>
+                            </p:childTnLst>
+                          </p:cTn>
+                        </p:par>
+                      </p:childTnLst>
+                    </p:cTn>
+                  </p:par>
+                </p:childTnLst>
+              </p:cTn>
+              <p:prevCondLst>
+                <p:cond evt="onPrev" delay="0">
+                  <p:tgtEl>
+                    <p:sldTgt/>
+                  </p:tgtEl>
+                </p:cond>
+              </p:prevCondLst>
+              <p:nextCondLst>
+                <p:cond evt="onNext" delay="0">
+                  <p:tgtEl>
+                    <p:sldTgt/>
+                  </p:tgtEl>
+                </p:cond>
+              </p:nextCondLst>
+            </p:seq>
+          </p:childTnLst>
+        </p:cTn>
+      </p:par>
+    </p:tnLst>
+    <p:bldLst>
+      <p:bldP spid="6" grpId="0" build="p"/>
+    </p:bldLst>
   </p:timing>
 </p:sld>
 </file>

--- a/PräsoHeatBoxDoku.pptx
+++ b/PräsoHeatBoxDoku.pptx
@@ -11159,7 +11159,7 @@
           <a:p>
             <a:fld id="{6E78B9AF-D697-4AFE-842E-4AD7AAFB0EB9}" type="datetimeFigureOut">
               <a:rPr lang="de-DE" smtClean="0"/>
-              <a:t>16.02.2017</a:t>
+              <a:t>17.02.2017</a:t>
             </a:fld>
             <a:endParaRPr lang="de-DE"/>
           </a:p>
@@ -11324,7 +11324,7 @@
           <a:p>
             <a:fld id="{5DE02955-CA41-4CE7-87BC-7C2314543B12}" type="datetimeFigureOut">
               <a:rPr lang="de-DE" smtClean="0"/>
-              <a:t>16.02.2017</a:t>
+              <a:t>17.02.2017</a:t>
             </a:fld>
             <a:endParaRPr lang="de-DE"/>
           </a:p>
@@ -12246,7 +12246,7 @@
           <a:p>
             <a:fld id="{CBAA8306-82AD-41BA-AC3D-C3C0FA358A80}" type="datetime1">
               <a:rPr lang="de-DE" smtClean="0"/>
-              <a:t>16.02.2017</a:t>
+              <a:t>17.02.2017</a:t>
             </a:fld>
             <a:endParaRPr lang="de-DE"/>
           </a:p>
@@ -12523,7 +12523,7 @@
           <a:p>
             <a:fld id="{C296B610-F6BE-4EC9-89D5-FC1CA8BDC4D1}" type="datetime1">
               <a:rPr lang="de-DE" smtClean="0"/>
-              <a:t>16.02.2017</a:t>
+              <a:t>17.02.2017</a:t>
             </a:fld>
             <a:endParaRPr lang="de-DE"/>
           </a:p>
@@ -12713,7 +12713,7 @@
           <a:p>
             <a:fld id="{CE3F0FFA-4150-4797-A6F2-16D34B4E7E46}" type="datetime1">
               <a:rPr lang="de-DE" smtClean="0"/>
-              <a:t>16.02.2017</a:t>
+              <a:t>17.02.2017</a:t>
             </a:fld>
             <a:endParaRPr lang="de-DE"/>
           </a:p>
@@ -12919,7 +12919,7 @@
           <a:p>
             <a:fld id="{588C6A99-F6CB-4116-90C9-E4DA62F750D5}" type="datetime1">
               <a:rPr lang="de-DE" smtClean="0"/>
-              <a:t>16.02.2017</a:t>
+              <a:t>17.02.2017</a:t>
             </a:fld>
             <a:endParaRPr lang="de-DE"/>
           </a:p>
@@ -13069,7 +13069,7 @@
           <a:p>
             <a:fld id="{AFFC6BE6-CD2A-4CF5-97F9-C96353520506}" type="datetime1">
               <a:rPr lang="de-DE" smtClean="0"/>
-              <a:t>16.02.2017</a:t>
+              <a:t>17.02.2017</a:t>
             </a:fld>
             <a:endParaRPr lang="de-DE" dirty="0"/>
           </a:p>
@@ -13395,7 +13395,7 @@
           <a:p>
             <a:fld id="{D7A497C1-5BE0-475F-80C4-A7AA69C4C0B0}" type="datetime1">
               <a:rPr lang="de-DE" smtClean="0"/>
-              <a:t>16.02.2017</a:t>
+              <a:t>17.02.2017</a:t>
             </a:fld>
             <a:endParaRPr lang="de-DE" dirty="0"/>
           </a:p>
@@ -13677,7 +13677,7 @@
           <a:p>
             <a:fld id="{D90C85C3-663A-4256-9A84-3ECB20E48C99}" type="datetime1">
               <a:rPr lang="de-DE" smtClean="0"/>
-              <a:t>16.02.2017</a:t>
+              <a:t>17.02.2017</a:t>
             </a:fld>
             <a:endParaRPr lang="de-DE" dirty="0"/>
           </a:p>
@@ -13834,7 +13834,7 @@
           <a:p>
             <a:fld id="{59235031-0436-47E6-B119-3E07843526C7}" type="datetime1">
               <a:rPr lang="de-DE" smtClean="0"/>
-              <a:t>16.02.2017</a:t>
+              <a:t>17.02.2017</a:t>
             </a:fld>
             <a:endParaRPr lang="de-DE" dirty="0"/>
           </a:p>
@@ -14042,7 +14042,7 @@
           <a:p>
             <a:fld id="{5F9C7DE8-FB2A-4EB0-AECA-3DD8E00320AC}" type="datetime1">
               <a:rPr lang="de-DE" smtClean="0"/>
-              <a:t>16.02.2017</a:t>
+              <a:t>17.02.2017</a:t>
             </a:fld>
             <a:endParaRPr lang="de-DE" dirty="0"/>
           </a:p>
@@ -14445,7 +14445,7 @@
           <a:p>
             <a:fld id="{B28BA56C-DCB8-4F91-B02F-61A706E2D9D7}" type="datetime1">
               <a:rPr lang="de-DE" smtClean="0"/>
-              <a:t>16.02.2017</a:t>
+              <a:t>17.02.2017</a:t>
             </a:fld>
             <a:endParaRPr lang="de-DE"/>
           </a:p>
@@ -14583,7 +14583,7 @@
           <a:p>
             <a:fld id="{DE97B443-D049-49AD-9603-CBE5DA922CB2}" type="datetime1">
               <a:rPr lang="de-DE" smtClean="0"/>
-              <a:t>16.02.2017</a:t>
+              <a:t>17.02.2017</a:t>
             </a:fld>
             <a:endParaRPr lang="de-DE"/>
           </a:p>
@@ -14698,7 +14698,7 @@
           <a:p>
             <a:fld id="{DFE64E28-08E5-4187-B919-8BA7AAC3F8AF}" type="datetime1">
               <a:rPr lang="de-DE" smtClean="0"/>
-              <a:t>16.02.2017</a:t>
+              <a:t>17.02.2017</a:t>
             </a:fld>
             <a:endParaRPr lang="de-DE"/>
           </a:p>
@@ -14941,7 +14941,7 @@
           <a:p>
             <a:fld id="{12032135-7848-4CA7-B20F-62B3842F83FE}" type="datetime1">
               <a:rPr lang="de-DE" smtClean="0"/>
-              <a:t>16.02.2017</a:t>
+              <a:t>17.02.2017</a:t>
             </a:fld>
             <a:endParaRPr lang="de-DE" dirty="0"/>
           </a:p>
@@ -15512,11 +15512,7 @@
           <a:p>
             <a:r>
               <a:rPr lang="de-DE" dirty="0" smtClean="0"/>
-              <a:t>V. </a:t>
-            </a:r>
-            <a:r>
-              <a:rPr lang="de-DE" dirty="0" smtClean="0"/>
-              <a:t>Der Plan zur Umsetzung</a:t>
+              <a:t>V. Der Plan zur Umsetzung</a:t>
             </a:r>
             <a:endParaRPr lang="de-DE" dirty="0"/>
           </a:p>
@@ -15539,7 +15535,7 @@
           <a:p>
             <a:fld id="{AFFC6BE6-CD2A-4CF5-97F9-C96353520506}" type="datetime1">
               <a:rPr lang="de-DE" smtClean="0"/>
-              <a:t>16.02.2017</a:t>
+              <a:t>17.02.2017</a:t>
             </a:fld>
             <a:endParaRPr lang="de-DE" dirty="0"/>
           </a:p>
@@ -15811,58 +15807,1111 @@
       </p:sp>
       <p:graphicFrame>
         <p:nvGraphicFramePr>
-          <p:cNvPr id="10" name="Objekt 9"/>
+          <p:cNvPr id="11" name="Tabelle 10"/>
           <p:cNvGraphicFramePr>
-            <a:graphicFrameLocks noChangeAspect="1"/>
+            <a:graphicFrameLocks noGrp="1"/>
           </p:cNvGraphicFramePr>
-          <p:nvPr>
-            <p:extLst>
-              <p:ext uri="{D42A27DB-BD31-4B8C-83A1-F6EECF244321}">
-                <p14:modId xmlns:p14="http://schemas.microsoft.com/office/powerpoint/2010/main" val="3746917679"/>
-              </p:ext>
-            </p:extLst>
-          </p:nvPr>
+          <p:nvPr/>
         </p:nvGraphicFramePr>
         <p:xfrm>
-          <a:off x="719814" y="1838516"/>
-          <a:ext cx="7328631" cy="4364735"/>
+          <a:off x="628650" y="1913337"/>
+          <a:ext cx="7886700" cy="4175914"/>
         </p:xfrm>
         <a:graphic>
-          <a:graphicData uri="http://schemas.openxmlformats.org/presentationml/2006/ole">
-            <mc:AlternateContent xmlns:mc="http://schemas.openxmlformats.org/markup-compatibility/2006">
-              <mc:Choice xmlns:v="urn:schemas-microsoft-com:vml" Requires="v">
-                <p:oleObj spid="_x0000_s2051" name="Document" r:id="rId3" imgW="9400283" imgH="5598334" progId="Word.Document.12">
-                  <p:embed/>
-                </p:oleObj>
-              </mc:Choice>
-              <mc:Fallback>
-                <p:oleObj name="Document" r:id="rId3" imgW="9400283" imgH="5598334" progId="Word.Document.12">
-                  <p:embed/>
-                  <p:pic>
-                    <p:nvPicPr>
-                      <p:cNvPr id="0" name=""/>
-                      <p:cNvPicPr/>
-                      <p:nvPr/>
-                    </p:nvPicPr>
-                    <p:blipFill>
-                      <a:blip r:embed="rId4"/>
-                      <a:stretch>
-                        <a:fillRect/>
-                      </a:stretch>
-                    </p:blipFill>
-                    <p:spPr>
-                      <a:xfrm>
-                        <a:off x="719814" y="1838516"/>
-                        <a:ext cx="7328631" cy="4364735"/>
-                      </a:xfrm>
-                      <a:prstGeom prst="rect">
-                        <a:avLst/>
-                      </a:prstGeom>
-                    </p:spPr>
-                  </p:pic>
-                </p:oleObj>
-              </mc:Fallback>
-            </mc:AlternateContent>
+          <a:graphicData uri="http://schemas.openxmlformats.org/drawingml/2006/table">
+            <a:tbl>
+              <a:tblPr firstRow="1" firstCol="1" bandRow="1"/>
+              <a:tblGrid>
+                <a:gridCol w="1971276">
+                  <a:extLst>
+                    <a:ext uri="{9D8B030D-6E8A-4147-A177-3AD203B41FA5}">
+                      <a16:colId xmlns:a16="http://schemas.microsoft.com/office/drawing/2014/main" val="838150728"/>
+                    </a:ext>
+                  </a:extLst>
+                </a:gridCol>
+                <a:gridCol w="1971808">
+                  <a:extLst>
+                    <a:ext uri="{9D8B030D-6E8A-4147-A177-3AD203B41FA5}">
+                      <a16:colId xmlns:a16="http://schemas.microsoft.com/office/drawing/2014/main" val="12914695"/>
+                    </a:ext>
+                  </a:extLst>
+                </a:gridCol>
+                <a:gridCol w="1971808">
+                  <a:extLst>
+                    <a:ext uri="{9D8B030D-6E8A-4147-A177-3AD203B41FA5}">
+                      <a16:colId xmlns:a16="http://schemas.microsoft.com/office/drawing/2014/main" val="880631303"/>
+                    </a:ext>
+                  </a:extLst>
+                </a:gridCol>
+                <a:gridCol w="1971808">
+                  <a:extLst>
+                    <a:ext uri="{9D8B030D-6E8A-4147-A177-3AD203B41FA5}">
+                      <a16:colId xmlns:a16="http://schemas.microsoft.com/office/drawing/2014/main" val="1175545705"/>
+                    </a:ext>
+                  </a:extLst>
+                </a:gridCol>
+              </a:tblGrid>
+              <a:tr h="381908">
+                <a:tc>
+                  <a:txBody>
+                    <a:bodyPr/>
+                    <a:lstStyle/>
+                    <a:p>
+                      <a:pPr>
+                        <a:lnSpc>
+                          <a:spcPct val="115000"/>
+                        </a:lnSpc>
+                        <a:spcAft>
+                          <a:spcPts val="0"/>
+                        </a:spcAft>
+                      </a:pPr>
+                      <a:r>
+                        <a:rPr lang="de-DE" sz="1100" b="1">
+                          <a:effectLst/>
+                          <a:latin typeface="Arial" panose="020B0604020202020204" pitchFamily="34" charset="0"/>
+                          <a:ea typeface="Calibri" panose="020F0502020204030204" pitchFamily="34" charset="0"/>
+                          <a:cs typeface="Times New Roman" panose="02020603050405020304" pitchFamily="18" charset="0"/>
+                        </a:rPr>
+                        <a:t>Phase 1:</a:t>
+                      </a:r>
+                      <a:r>
+                        <a:rPr lang="de-DE" sz="1100">
+                          <a:effectLst/>
+                          <a:latin typeface="Arial" panose="020B0604020202020204" pitchFamily="34" charset="0"/>
+                          <a:ea typeface="Calibri" panose="020F0502020204030204" pitchFamily="34" charset="0"/>
+                          <a:cs typeface="Times New Roman" panose="02020603050405020304" pitchFamily="18" charset="0"/>
+                        </a:rPr>
+                        <a:t> Projektdefinition</a:t>
+                      </a:r>
+                      <a:endParaRPr lang="de-DE" sz="900">
+                        <a:effectLst/>
+                        <a:latin typeface="Calibri" panose="020F0502020204030204" pitchFamily="34" charset="0"/>
+                        <a:ea typeface="Calibri" panose="020F0502020204030204" pitchFamily="34" charset="0"/>
+                        <a:cs typeface="Times New Roman" panose="02020603050405020304" pitchFamily="18" charset="0"/>
+                      </a:endParaRPr>
+                    </a:p>
+                  </a:txBody>
+                  <a:tcPr marL="57478" marR="57478" marT="0" marB="0" anchor="ctr">
+                    <a:lnL w="12700" cap="flat" cmpd="sng" algn="ctr">
+                      <a:solidFill>
+                        <a:srgbClr val="000000"/>
+                      </a:solidFill>
+                      <a:prstDash val="solid"/>
+                      <a:round/>
+                      <a:headEnd type="none" w="med" len="med"/>
+                      <a:tailEnd type="none" w="med" len="med"/>
+                    </a:lnL>
+                    <a:lnR w="12700" cap="flat" cmpd="sng" algn="ctr">
+                      <a:solidFill>
+                        <a:srgbClr val="000000"/>
+                      </a:solidFill>
+                      <a:prstDash val="solid"/>
+                      <a:round/>
+                      <a:headEnd type="none" w="med" len="med"/>
+                      <a:tailEnd type="none" w="med" len="med"/>
+                    </a:lnR>
+                    <a:lnT w="12700" cap="flat" cmpd="sng" algn="ctr">
+                      <a:solidFill>
+                        <a:srgbClr val="000000"/>
+                      </a:solidFill>
+                      <a:prstDash val="solid"/>
+                      <a:round/>
+                      <a:headEnd type="none" w="med" len="med"/>
+                      <a:tailEnd type="none" w="med" len="med"/>
+                    </a:lnT>
+                    <a:lnB w="12700" cap="flat" cmpd="sng" algn="ctr">
+                      <a:solidFill>
+                        <a:srgbClr val="000000"/>
+                      </a:solidFill>
+                      <a:prstDash val="solid"/>
+                      <a:round/>
+                      <a:headEnd type="none" w="med" len="med"/>
+                      <a:tailEnd type="none" w="med" len="med"/>
+                    </a:lnB>
+                  </a:tcPr>
+                </a:tc>
+                <a:tc>
+                  <a:txBody>
+                    <a:bodyPr/>
+                    <a:lstStyle/>
+                    <a:p>
+                      <a:pPr>
+                        <a:lnSpc>
+                          <a:spcPct val="115000"/>
+                        </a:lnSpc>
+                        <a:spcAft>
+                          <a:spcPts val="0"/>
+                        </a:spcAft>
+                      </a:pPr>
+                      <a:r>
+                        <a:rPr lang="de-DE" sz="1100" b="1">
+                          <a:effectLst/>
+                          <a:latin typeface="Arial" panose="020B0604020202020204" pitchFamily="34" charset="0"/>
+                          <a:ea typeface="Calibri" panose="020F0502020204030204" pitchFamily="34" charset="0"/>
+                          <a:cs typeface="Times New Roman" panose="02020603050405020304" pitchFamily="18" charset="0"/>
+                        </a:rPr>
+                        <a:t>Phase 2: </a:t>
+                      </a:r>
+                      <a:r>
+                        <a:rPr lang="de-DE" sz="1100">
+                          <a:effectLst/>
+                          <a:latin typeface="Arial" panose="020B0604020202020204" pitchFamily="34" charset="0"/>
+                          <a:ea typeface="Calibri" panose="020F0502020204030204" pitchFamily="34" charset="0"/>
+                          <a:cs typeface="Times New Roman" panose="02020603050405020304" pitchFamily="18" charset="0"/>
+                        </a:rPr>
+                        <a:t>Projektplanung</a:t>
+                      </a:r>
+                      <a:endParaRPr lang="de-DE" sz="900">
+                        <a:effectLst/>
+                        <a:latin typeface="Calibri" panose="020F0502020204030204" pitchFamily="34" charset="0"/>
+                        <a:ea typeface="Calibri" panose="020F0502020204030204" pitchFamily="34" charset="0"/>
+                        <a:cs typeface="Times New Roman" panose="02020603050405020304" pitchFamily="18" charset="0"/>
+                      </a:endParaRPr>
+                    </a:p>
+                  </a:txBody>
+                  <a:tcPr marL="57478" marR="57478" marT="0" marB="0" anchor="ctr">
+                    <a:lnL w="12700" cap="flat" cmpd="sng" algn="ctr">
+                      <a:solidFill>
+                        <a:srgbClr val="000000"/>
+                      </a:solidFill>
+                      <a:prstDash val="solid"/>
+                      <a:round/>
+                      <a:headEnd type="none" w="med" len="med"/>
+                      <a:tailEnd type="none" w="med" len="med"/>
+                    </a:lnL>
+                    <a:lnR w="12700" cap="flat" cmpd="sng" algn="ctr">
+                      <a:solidFill>
+                        <a:srgbClr val="000000"/>
+                      </a:solidFill>
+                      <a:prstDash val="solid"/>
+                      <a:round/>
+                      <a:headEnd type="none" w="med" len="med"/>
+                      <a:tailEnd type="none" w="med" len="med"/>
+                    </a:lnR>
+                    <a:lnT w="12700" cap="flat" cmpd="sng" algn="ctr">
+                      <a:solidFill>
+                        <a:srgbClr val="000000"/>
+                      </a:solidFill>
+                      <a:prstDash val="solid"/>
+                      <a:round/>
+                      <a:headEnd type="none" w="med" len="med"/>
+                      <a:tailEnd type="none" w="med" len="med"/>
+                    </a:lnT>
+                    <a:lnB w="12700" cap="flat" cmpd="sng" algn="ctr">
+                      <a:solidFill>
+                        <a:srgbClr val="000000"/>
+                      </a:solidFill>
+                      <a:prstDash val="solid"/>
+                      <a:round/>
+                      <a:headEnd type="none" w="med" len="med"/>
+                      <a:tailEnd type="none" w="med" len="med"/>
+                    </a:lnB>
+                  </a:tcPr>
+                </a:tc>
+                <a:tc>
+                  <a:txBody>
+                    <a:bodyPr/>
+                    <a:lstStyle/>
+                    <a:p>
+                      <a:pPr>
+                        <a:lnSpc>
+                          <a:spcPct val="115000"/>
+                        </a:lnSpc>
+                        <a:spcAft>
+                          <a:spcPts val="0"/>
+                        </a:spcAft>
+                      </a:pPr>
+                      <a:r>
+                        <a:rPr lang="de-DE" sz="1100" b="1">
+                          <a:effectLst/>
+                          <a:latin typeface="Arial" panose="020B0604020202020204" pitchFamily="34" charset="0"/>
+                          <a:ea typeface="Calibri" panose="020F0502020204030204" pitchFamily="34" charset="0"/>
+                          <a:cs typeface="Times New Roman" panose="02020603050405020304" pitchFamily="18" charset="0"/>
+                        </a:rPr>
+                        <a:t>Phase 3: </a:t>
+                      </a:r>
+                      <a:r>
+                        <a:rPr lang="de-DE" sz="1100">
+                          <a:effectLst/>
+                          <a:latin typeface="Arial" panose="020B0604020202020204" pitchFamily="34" charset="0"/>
+                          <a:ea typeface="Calibri" panose="020F0502020204030204" pitchFamily="34" charset="0"/>
+                          <a:cs typeface="Times New Roman" panose="02020603050405020304" pitchFamily="18" charset="0"/>
+                        </a:rPr>
+                        <a:t>Projektdurchführung</a:t>
+                      </a:r>
+                      <a:endParaRPr lang="de-DE" sz="900">
+                        <a:effectLst/>
+                        <a:latin typeface="Calibri" panose="020F0502020204030204" pitchFamily="34" charset="0"/>
+                        <a:ea typeface="Calibri" panose="020F0502020204030204" pitchFamily="34" charset="0"/>
+                        <a:cs typeface="Times New Roman" panose="02020603050405020304" pitchFamily="18" charset="0"/>
+                      </a:endParaRPr>
+                    </a:p>
+                  </a:txBody>
+                  <a:tcPr marL="57478" marR="57478" marT="0" marB="0" anchor="ctr">
+                    <a:lnL w="12700" cap="flat" cmpd="sng" algn="ctr">
+                      <a:solidFill>
+                        <a:srgbClr val="000000"/>
+                      </a:solidFill>
+                      <a:prstDash val="solid"/>
+                      <a:round/>
+                      <a:headEnd type="none" w="med" len="med"/>
+                      <a:tailEnd type="none" w="med" len="med"/>
+                    </a:lnL>
+                    <a:lnR w="12700" cap="flat" cmpd="sng" algn="ctr">
+                      <a:solidFill>
+                        <a:srgbClr val="000000"/>
+                      </a:solidFill>
+                      <a:prstDash val="solid"/>
+                      <a:round/>
+                      <a:headEnd type="none" w="med" len="med"/>
+                      <a:tailEnd type="none" w="med" len="med"/>
+                    </a:lnR>
+                    <a:lnT w="12700" cap="flat" cmpd="sng" algn="ctr">
+                      <a:solidFill>
+                        <a:srgbClr val="000000"/>
+                      </a:solidFill>
+                      <a:prstDash val="solid"/>
+                      <a:round/>
+                      <a:headEnd type="none" w="med" len="med"/>
+                      <a:tailEnd type="none" w="med" len="med"/>
+                    </a:lnT>
+                    <a:lnB w="12700" cap="flat" cmpd="sng" algn="ctr">
+                      <a:solidFill>
+                        <a:srgbClr val="000000"/>
+                      </a:solidFill>
+                      <a:prstDash val="solid"/>
+                      <a:round/>
+                      <a:headEnd type="none" w="med" len="med"/>
+                      <a:tailEnd type="none" w="med" len="med"/>
+                    </a:lnB>
+                  </a:tcPr>
+                </a:tc>
+                <a:tc>
+                  <a:txBody>
+                    <a:bodyPr/>
+                    <a:lstStyle/>
+                    <a:p>
+                      <a:pPr>
+                        <a:lnSpc>
+                          <a:spcPct val="115000"/>
+                        </a:lnSpc>
+                        <a:spcAft>
+                          <a:spcPts val="0"/>
+                        </a:spcAft>
+                      </a:pPr>
+                      <a:r>
+                        <a:rPr lang="de-DE" sz="1100" b="1">
+                          <a:effectLst/>
+                          <a:latin typeface="Arial" panose="020B0604020202020204" pitchFamily="34" charset="0"/>
+                          <a:ea typeface="Calibri" panose="020F0502020204030204" pitchFamily="34" charset="0"/>
+                          <a:cs typeface="Times New Roman" panose="02020603050405020304" pitchFamily="18" charset="0"/>
+                        </a:rPr>
+                        <a:t>Phase 4: </a:t>
+                      </a:r>
+                      <a:r>
+                        <a:rPr lang="de-DE" sz="1100">
+                          <a:effectLst/>
+                          <a:latin typeface="Arial" panose="020B0604020202020204" pitchFamily="34" charset="0"/>
+                          <a:ea typeface="Calibri" panose="020F0502020204030204" pitchFamily="34" charset="0"/>
+                          <a:cs typeface="Times New Roman" panose="02020603050405020304" pitchFamily="18" charset="0"/>
+                        </a:rPr>
+                        <a:t>Projektabschluss</a:t>
+                      </a:r>
+                      <a:endParaRPr lang="de-DE" sz="900">
+                        <a:effectLst/>
+                        <a:latin typeface="Calibri" panose="020F0502020204030204" pitchFamily="34" charset="0"/>
+                        <a:ea typeface="Calibri" panose="020F0502020204030204" pitchFamily="34" charset="0"/>
+                        <a:cs typeface="Times New Roman" panose="02020603050405020304" pitchFamily="18" charset="0"/>
+                      </a:endParaRPr>
+                    </a:p>
+                  </a:txBody>
+                  <a:tcPr marL="57478" marR="57478" marT="0" marB="0" anchor="ctr">
+                    <a:lnL w="12700" cap="flat" cmpd="sng" algn="ctr">
+                      <a:solidFill>
+                        <a:srgbClr val="000000"/>
+                      </a:solidFill>
+                      <a:prstDash val="solid"/>
+                      <a:round/>
+                      <a:headEnd type="none" w="med" len="med"/>
+                      <a:tailEnd type="none" w="med" len="med"/>
+                    </a:lnL>
+                    <a:lnR w="12700" cap="flat" cmpd="sng" algn="ctr">
+                      <a:solidFill>
+                        <a:srgbClr val="000000"/>
+                      </a:solidFill>
+                      <a:prstDash val="solid"/>
+                      <a:round/>
+                      <a:headEnd type="none" w="med" len="med"/>
+                      <a:tailEnd type="none" w="med" len="med"/>
+                    </a:lnR>
+                    <a:lnT w="12700" cap="flat" cmpd="sng" algn="ctr">
+                      <a:solidFill>
+                        <a:srgbClr val="000000"/>
+                      </a:solidFill>
+                      <a:prstDash val="solid"/>
+                      <a:round/>
+                      <a:headEnd type="none" w="med" len="med"/>
+                      <a:tailEnd type="none" w="med" len="med"/>
+                    </a:lnT>
+                    <a:lnB w="12700" cap="flat" cmpd="sng" algn="ctr">
+                      <a:solidFill>
+                        <a:srgbClr val="000000"/>
+                      </a:solidFill>
+                      <a:prstDash val="solid"/>
+                      <a:round/>
+                      <a:headEnd type="none" w="med" len="med"/>
+                      <a:tailEnd type="none" w="med" len="med"/>
+                    </a:lnB>
+                  </a:tcPr>
+                </a:tc>
+                <a:extLst>
+                  <a:ext uri="{0D108BD9-81ED-4DB2-BD59-A6C34878D82A}">
+                    <a16:rowId xmlns:a16="http://schemas.microsoft.com/office/drawing/2014/main" val="2671323262"/>
+                  </a:ext>
+                </a:extLst>
+              </a:tr>
+              <a:tr h="3790342">
+                <a:tc>
+                  <a:txBody>
+                    <a:bodyPr/>
+                    <a:lstStyle/>
+                    <a:p>
+                      <a:pPr>
+                        <a:lnSpc>
+                          <a:spcPct val="115000"/>
+                        </a:lnSpc>
+                        <a:spcBef>
+                          <a:spcPts val="600"/>
+                        </a:spcBef>
+                        <a:spcAft>
+                          <a:spcPts val="0"/>
+                        </a:spcAft>
+                      </a:pPr>
+                      <a:r>
+                        <a:rPr lang="de-DE" sz="1100" u="sng">
+                          <a:effectLst/>
+                          <a:latin typeface="Arial" panose="020B0604020202020204" pitchFamily="34" charset="0"/>
+                          <a:ea typeface="Calibri" panose="020F0502020204030204" pitchFamily="34" charset="0"/>
+                          <a:cs typeface="Times New Roman" panose="02020603050405020304" pitchFamily="18" charset="0"/>
+                        </a:rPr>
+                        <a:t>Ausgangsanalyse</a:t>
+                      </a:r>
+                      <a:r>
+                        <a:rPr lang="de-DE" sz="1100">
+                          <a:effectLst/>
+                          <a:latin typeface="Arial" panose="020B0604020202020204" pitchFamily="34" charset="0"/>
+                          <a:ea typeface="Calibri" panose="020F0502020204030204" pitchFamily="34" charset="0"/>
+                          <a:cs typeface="Times New Roman" panose="02020603050405020304" pitchFamily="18" charset="0"/>
+                        </a:rPr>
+                        <a:t>:</a:t>
+                      </a:r>
+                      <a:endParaRPr lang="de-DE" sz="900">
+                        <a:effectLst/>
+                        <a:latin typeface="Calibri" panose="020F0502020204030204" pitchFamily="34" charset="0"/>
+                        <a:ea typeface="Calibri" panose="020F0502020204030204" pitchFamily="34" charset="0"/>
+                        <a:cs typeface="Times New Roman" panose="02020603050405020304" pitchFamily="18" charset="0"/>
+                      </a:endParaRPr>
+                    </a:p>
+                    <a:p>
+                      <a:pPr>
+                        <a:lnSpc>
+                          <a:spcPct val="115000"/>
+                        </a:lnSpc>
+                        <a:spcAft>
+                          <a:spcPts val="0"/>
+                        </a:spcAft>
+                      </a:pPr>
+                      <a:r>
+                        <a:rPr lang="de-DE" sz="1100">
+                          <a:effectLst/>
+                          <a:latin typeface="Arial" panose="020B0604020202020204" pitchFamily="34" charset="0"/>
+                          <a:ea typeface="Calibri" panose="020F0502020204030204" pitchFamily="34" charset="0"/>
+                          <a:cs typeface="Times New Roman" panose="02020603050405020304" pitchFamily="18" charset="0"/>
+                        </a:rPr>
+                        <a:t>Die Website des Kunden Christian Domes, die über das Produkt „HeatBox“ informiert, erfordert eine Erneuerung und Verbesserung der Funktionalität</a:t>
+                      </a:r>
+                      <a:endParaRPr lang="de-DE" sz="900">
+                        <a:effectLst/>
+                        <a:latin typeface="Calibri" panose="020F0502020204030204" pitchFamily="34" charset="0"/>
+                        <a:ea typeface="Calibri" panose="020F0502020204030204" pitchFamily="34" charset="0"/>
+                        <a:cs typeface="Times New Roman" panose="02020603050405020304" pitchFamily="18" charset="0"/>
+                      </a:endParaRPr>
+                    </a:p>
+                    <a:p>
+                      <a:pPr>
+                        <a:lnSpc>
+                          <a:spcPct val="115000"/>
+                        </a:lnSpc>
+                        <a:spcBef>
+                          <a:spcPts val="1200"/>
+                        </a:spcBef>
+                        <a:spcAft>
+                          <a:spcPts val="0"/>
+                        </a:spcAft>
+                      </a:pPr>
+                      <a:r>
+                        <a:rPr lang="de-DE" sz="1100" u="sng">
+                          <a:effectLst/>
+                          <a:latin typeface="Arial" panose="020B0604020202020204" pitchFamily="34" charset="0"/>
+                          <a:ea typeface="Calibri" panose="020F0502020204030204" pitchFamily="34" charset="0"/>
+                          <a:cs typeface="Times New Roman" panose="02020603050405020304" pitchFamily="18" charset="0"/>
+                        </a:rPr>
+                        <a:t>Zieldefinition</a:t>
+                      </a:r>
+                      <a:r>
+                        <a:rPr lang="de-DE" sz="1100">
+                          <a:effectLst/>
+                          <a:latin typeface="Arial" panose="020B0604020202020204" pitchFamily="34" charset="0"/>
+                          <a:ea typeface="Calibri" panose="020F0502020204030204" pitchFamily="34" charset="0"/>
+                          <a:cs typeface="Times New Roman" panose="02020603050405020304" pitchFamily="18" charset="0"/>
+                        </a:rPr>
+                        <a:t>:</a:t>
+                      </a:r>
+                      <a:endParaRPr lang="de-DE" sz="900">
+                        <a:effectLst/>
+                        <a:latin typeface="Calibri" panose="020F0502020204030204" pitchFamily="34" charset="0"/>
+                        <a:ea typeface="Calibri" panose="020F0502020204030204" pitchFamily="34" charset="0"/>
+                        <a:cs typeface="Times New Roman" panose="02020603050405020304" pitchFamily="18" charset="0"/>
+                      </a:endParaRPr>
+                    </a:p>
+                    <a:p>
+                      <a:pPr>
+                        <a:lnSpc>
+                          <a:spcPct val="115000"/>
+                        </a:lnSpc>
+                        <a:spcAft>
+                          <a:spcPts val="0"/>
+                        </a:spcAft>
+                      </a:pPr>
+                      <a:r>
+                        <a:rPr lang="de-DE" sz="1100">
+                          <a:effectLst/>
+                          <a:latin typeface="Arial" panose="020B0604020202020204" pitchFamily="34" charset="0"/>
+                          <a:ea typeface="Calibri" panose="020F0502020204030204" pitchFamily="34" charset="0"/>
+                          <a:cs typeface="Times New Roman" panose="02020603050405020304" pitchFamily="18" charset="0"/>
+                        </a:rPr>
+                        <a:t>Eine neue Website erstellen, die den Anforderungen des Kunden entspricht</a:t>
+                      </a:r>
+                      <a:endParaRPr lang="de-DE" sz="900">
+                        <a:effectLst/>
+                        <a:latin typeface="Calibri" panose="020F0502020204030204" pitchFamily="34" charset="0"/>
+                        <a:ea typeface="Calibri" panose="020F0502020204030204" pitchFamily="34" charset="0"/>
+                        <a:cs typeface="Times New Roman" panose="02020603050405020304" pitchFamily="18" charset="0"/>
+                      </a:endParaRPr>
+                    </a:p>
+                  </a:txBody>
+                  <a:tcPr marL="57478" marR="57478" marT="0" marB="0">
+                    <a:lnL w="12700" cap="flat" cmpd="sng" algn="ctr">
+                      <a:solidFill>
+                        <a:srgbClr val="000000"/>
+                      </a:solidFill>
+                      <a:prstDash val="solid"/>
+                      <a:round/>
+                      <a:headEnd type="none" w="med" len="med"/>
+                      <a:tailEnd type="none" w="med" len="med"/>
+                    </a:lnL>
+                    <a:lnR w="12700" cap="flat" cmpd="sng" algn="ctr">
+                      <a:solidFill>
+                        <a:srgbClr val="000000"/>
+                      </a:solidFill>
+                      <a:prstDash val="solid"/>
+                      <a:round/>
+                      <a:headEnd type="none" w="med" len="med"/>
+                      <a:tailEnd type="none" w="med" len="med"/>
+                    </a:lnR>
+                    <a:lnT w="12700" cap="flat" cmpd="sng" algn="ctr">
+                      <a:solidFill>
+                        <a:srgbClr val="000000"/>
+                      </a:solidFill>
+                      <a:prstDash val="solid"/>
+                      <a:round/>
+                      <a:headEnd type="none" w="med" len="med"/>
+                      <a:tailEnd type="none" w="med" len="med"/>
+                    </a:lnT>
+                    <a:lnB w="12700" cap="flat" cmpd="sng" algn="ctr">
+                      <a:solidFill>
+                        <a:srgbClr val="000000"/>
+                      </a:solidFill>
+                      <a:prstDash val="solid"/>
+                      <a:round/>
+                      <a:headEnd type="none" w="med" len="med"/>
+                      <a:tailEnd type="none" w="med" len="med"/>
+                    </a:lnB>
+                  </a:tcPr>
+                </a:tc>
+                <a:tc>
+                  <a:txBody>
+                    <a:bodyPr/>
+                    <a:lstStyle/>
+                    <a:p>
+                      <a:pPr>
+                        <a:lnSpc>
+                          <a:spcPct val="115000"/>
+                        </a:lnSpc>
+                        <a:spcBef>
+                          <a:spcPts val="600"/>
+                        </a:spcBef>
+                        <a:spcAft>
+                          <a:spcPts val="0"/>
+                        </a:spcAft>
+                      </a:pPr>
+                      <a:r>
+                        <a:rPr lang="de-DE" sz="1100" u="sng" dirty="0">
+                          <a:effectLst/>
+                          <a:latin typeface="Arial" panose="020B0604020202020204" pitchFamily="34" charset="0"/>
+                          <a:ea typeface="Calibri" panose="020F0502020204030204" pitchFamily="34" charset="0"/>
+                          <a:cs typeface="Times New Roman" panose="02020603050405020304" pitchFamily="18" charset="0"/>
+                        </a:rPr>
+                        <a:t>Arbeitseinteilung</a:t>
+                      </a:r>
+                      <a:r>
+                        <a:rPr lang="de-DE" sz="1100" dirty="0">
+                          <a:effectLst/>
+                          <a:latin typeface="Arial" panose="020B0604020202020204" pitchFamily="34" charset="0"/>
+                          <a:ea typeface="Calibri" panose="020F0502020204030204" pitchFamily="34" charset="0"/>
+                          <a:cs typeface="Times New Roman" panose="02020603050405020304" pitchFamily="18" charset="0"/>
+                        </a:rPr>
+                        <a:t>:</a:t>
+                      </a:r>
+                      <a:endParaRPr lang="de-DE" sz="900" dirty="0">
+                        <a:effectLst/>
+                        <a:latin typeface="Calibri" panose="020F0502020204030204" pitchFamily="34" charset="0"/>
+                        <a:ea typeface="Calibri" panose="020F0502020204030204" pitchFamily="34" charset="0"/>
+                        <a:cs typeface="Times New Roman" panose="02020603050405020304" pitchFamily="18" charset="0"/>
+                      </a:endParaRPr>
+                    </a:p>
+                    <a:p>
+                      <a:pPr>
+                        <a:lnSpc>
+                          <a:spcPct val="115000"/>
+                        </a:lnSpc>
+                        <a:spcAft>
+                          <a:spcPts val="0"/>
+                        </a:spcAft>
+                      </a:pPr>
+                      <a:r>
+                        <a:rPr lang="de-DE" sz="1100" dirty="0">
+                          <a:effectLst/>
+                          <a:latin typeface="Arial" panose="020B0604020202020204" pitchFamily="34" charset="0"/>
+                          <a:ea typeface="Calibri" panose="020F0502020204030204" pitchFamily="34" charset="0"/>
+                          <a:cs typeface="Times New Roman" panose="02020603050405020304" pitchFamily="18" charset="0"/>
+                        </a:rPr>
+                        <a:t>Arbeitspakete werden erstellt und einzelnen Mitarbeitern zugeteilt.</a:t>
+                      </a:r>
+                      <a:endParaRPr lang="de-DE" sz="900" dirty="0">
+                        <a:effectLst/>
+                        <a:latin typeface="Calibri" panose="020F0502020204030204" pitchFamily="34" charset="0"/>
+                        <a:ea typeface="Calibri" panose="020F0502020204030204" pitchFamily="34" charset="0"/>
+                        <a:cs typeface="Times New Roman" panose="02020603050405020304" pitchFamily="18" charset="0"/>
+                      </a:endParaRPr>
+                    </a:p>
+                    <a:p>
+                      <a:pPr>
+                        <a:lnSpc>
+                          <a:spcPct val="115000"/>
+                        </a:lnSpc>
+                        <a:spcBef>
+                          <a:spcPts val="1200"/>
+                        </a:spcBef>
+                        <a:spcAft>
+                          <a:spcPts val="0"/>
+                        </a:spcAft>
+                      </a:pPr>
+                      <a:r>
+                        <a:rPr lang="de-DE" sz="1100" u="sng" dirty="0">
+                          <a:effectLst/>
+                          <a:latin typeface="Arial" panose="020B0604020202020204" pitchFamily="34" charset="0"/>
+                          <a:ea typeface="Calibri" panose="020F0502020204030204" pitchFamily="34" charset="0"/>
+                          <a:cs typeface="Times New Roman" panose="02020603050405020304" pitchFamily="18" charset="0"/>
+                        </a:rPr>
+                        <a:t>Arbeitsablauf</a:t>
+                      </a:r>
+                      <a:r>
+                        <a:rPr lang="de-DE" sz="1100" dirty="0">
+                          <a:effectLst/>
+                          <a:latin typeface="Arial" panose="020B0604020202020204" pitchFamily="34" charset="0"/>
+                          <a:ea typeface="Calibri" panose="020F0502020204030204" pitchFamily="34" charset="0"/>
+                          <a:cs typeface="Times New Roman" panose="02020603050405020304" pitchFamily="18" charset="0"/>
+                        </a:rPr>
+                        <a:t>:</a:t>
+                      </a:r>
+                      <a:endParaRPr lang="de-DE" sz="900" dirty="0">
+                        <a:effectLst/>
+                        <a:latin typeface="Calibri" panose="020F0502020204030204" pitchFamily="34" charset="0"/>
+                        <a:ea typeface="Calibri" panose="020F0502020204030204" pitchFamily="34" charset="0"/>
+                        <a:cs typeface="Times New Roman" panose="02020603050405020304" pitchFamily="18" charset="0"/>
+                      </a:endParaRPr>
+                    </a:p>
+                    <a:p>
+                      <a:pPr>
+                        <a:lnSpc>
+                          <a:spcPct val="115000"/>
+                        </a:lnSpc>
+                        <a:spcAft>
+                          <a:spcPts val="0"/>
+                        </a:spcAft>
+                      </a:pPr>
+                      <a:r>
+                        <a:rPr lang="de-DE" sz="1100" dirty="0">
+                          <a:effectLst/>
+                          <a:latin typeface="Arial" panose="020B0604020202020204" pitchFamily="34" charset="0"/>
+                          <a:ea typeface="Calibri" panose="020F0502020204030204" pitchFamily="34" charset="0"/>
+                          <a:cs typeface="Times New Roman" panose="02020603050405020304" pitchFamily="18" charset="0"/>
+                        </a:rPr>
+                        <a:t>Meilensteine werden definiert und in eine passende Reihenfolge gebracht.</a:t>
+                      </a:r>
+                      <a:endParaRPr lang="de-DE" sz="900" dirty="0">
+                        <a:effectLst/>
+                        <a:latin typeface="Calibri" panose="020F0502020204030204" pitchFamily="34" charset="0"/>
+                        <a:ea typeface="Calibri" panose="020F0502020204030204" pitchFamily="34" charset="0"/>
+                        <a:cs typeface="Times New Roman" panose="02020603050405020304" pitchFamily="18" charset="0"/>
+                      </a:endParaRPr>
+                    </a:p>
+                  </a:txBody>
+                  <a:tcPr marL="57478" marR="57478" marT="0" marB="0">
+                    <a:lnL w="12700" cap="flat" cmpd="sng" algn="ctr">
+                      <a:solidFill>
+                        <a:srgbClr val="000000"/>
+                      </a:solidFill>
+                      <a:prstDash val="solid"/>
+                      <a:round/>
+                      <a:headEnd type="none" w="med" len="med"/>
+                      <a:tailEnd type="none" w="med" len="med"/>
+                    </a:lnL>
+                    <a:lnR w="12700" cap="flat" cmpd="sng" algn="ctr">
+                      <a:solidFill>
+                        <a:srgbClr val="000000"/>
+                      </a:solidFill>
+                      <a:prstDash val="solid"/>
+                      <a:round/>
+                      <a:headEnd type="none" w="med" len="med"/>
+                      <a:tailEnd type="none" w="med" len="med"/>
+                    </a:lnR>
+                    <a:lnT w="12700" cap="flat" cmpd="sng" algn="ctr">
+                      <a:solidFill>
+                        <a:srgbClr val="000000"/>
+                      </a:solidFill>
+                      <a:prstDash val="solid"/>
+                      <a:round/>
+                      <a:headEnd type="none" w="med" len="med"/>
+                      <a:tailEnd type="none" w="med" len="med"/>
+                    </a:lnT>
+                    <a:lnB w="12700" cap="flat" cmpd="sng" algn="ctr">
+                      <a:solidFill>
+                        <a:srgbClr val="000000"/>
+                      </a:solidFill>
+                      <a:prstDash val="solid"/>
+                      <a:round/>
+                      <a:headEnd type="none" w="med" len="med"/>
+                      <a:tailEnd type="none" w="med" len="med"/>
+                    </a:lnB>
+                  </a:tcPr>
+                </a:tc>
+                <a:tc>
+                  <a:txBody>
+                    <a:bodyPr/>
+                    <a:lstStyle/>
+                    <a:p>
+                      <a:pPr>
+                        <a:lnSpc>
+                          <a:spcPct val="115000"/>
+                        </a:lnSpc>
+                        <a:spcBef>
+                          <a:spcPts val="600"/>
+                        </a:spcBef>
+                        <a:spcAft>
+                          <a:spcPts val="0"/>
+                        </a:spcAft>
+                      </a:pPr>
+                      <a:r>
+                        <a:rPr lang="de-DE" sz="1100" u="sng">
+                          <a:effectLst/>
+                          <a:latin typeface="Arial" panose="020B0604020202020204" pitchFamily="34" charset="0"/>
+                          <a:ea typeface="Calibri" panose="020F0502020204030204" pitchFamily="34" charset="0"/>
+                          <a:cs typeface="Times New Roman" panose="02020603050405020304" pitchFamily="18" charset="0"/>
+                        </a:rPr>
+                        <a:t>Projektsteuerung</a:t>
+                      </a:r>
+                      <a:r>
+                        <a:rPr lang="de-DE" sz="1100">
+                          <a:effectLst/>
+                          <a:latin typeface="Arial" panose="020B0604020202020204" pitchFamily="34" charset="0"/>
+                          <a:ea typeface="Calibri" panose="020F0502020204030204" pitchFamily="34" charset="0"/>
+                          <a:cs typeface="Times New Roman" panose="02020603050405020304" pitchFamily="18" charset="0"/>
+                        </a:rPr>
+                        <a:t>:</a:t>
+                      </a:r>
+                      <a:endParaRPr lang="de-DE" sz="900">
+                        <a:effectLst/>
+                        <a:latin typeface="Calibri" panose="020F0502020204030204" pitchFamily="34" charset="0"/>
+                        <a:ea typeface="Calibri" panose="020F0502020204030204" pitchFamily="34" charset="0"/>
+                        <a:cs typeface="Times New Roman" panose="02020603050405020304" pitchFamily="18" charset="0"/>
+                      </a:endParaRPr>
+                    </a:p>
+                    <a:p>
+                      <a:pPr>
+                        <a:lnSpc>
+                          <a:spcPct val="115000"/>
+                        </a:lnSpc>
+                        <a:spcAft>
+                          <a:spcPts val="0"/>
+                        </a:spcAft>
+                      </a:pPr>
+                      <a:r>
+                        <a:rPr lang="de-DE" sz="1100">
+                          <a:effectLst/>
+                          <a:latin typeface="Arial" panose="020B0604020202020204" pitchFamily="34" charset="0"/>
+                          <a:ea typeface="Calibri" panose="020F0502020204030204" pitchFamily="34" charset="0"/>
+                          <a:cs typeface="Times New Roman" panose="02020603050405020304" pitchFamily="18" charset="0"/>
+                        </a:rPr>
+                        <a:t>Einhaltung des Zeitplans durch Kontrolle vom Projektleiter mithilfe der Dokumentation</a:t>
+                      </a:r>
+                      <a:endParaRPr lang="de-DE" sz="900">
+                        <a:effectLst/>
+                        <a:latin typeface="Calibri" panose="020F0502020204030204" pitchFamily="34" charset="0"/>
+                        <a:ea typeface="Calibri" panose="020F0502020204030204" pitchFamily="34" charset="0"/>
+                        <a:cs typeface="Times New Roman" panose="02020603050405020304" pitchFamily="18" charset="0"/>
+                      </a:endParaRPr>
+                    </a:p>
+                    <a:p>
+                      <a:pPr>
+                        <a:lnSpc>
+                          <a:spcPct val="115000"/>
+                        </a:lnSpc>
+                        <a:spcBef>
+                          <a:spcPts val="1200"/>
+                        </a:spcBef>
+                        <a:spcAft>
+                          <a:spcPts val="0"/>
+                        </a:spcAft>
+                      </a:pPr>
+                      <a:r>
+                        <a:rPr lang="de-DE" sz="1100" u="sng">
+                          <a:effectLst/>
+                          <a:latin typeface="Arial" panose="020B0604020202020204" pitchFamily="34" charset="0"/>
+                          <a:ea typeface="Calibri" panose="020F0502020204030204" pitchFamily="34" charset="0"/>
+                          <a:cs typeface="Times New Roman" panose="02020603050405020304" pitchFamily="18" charset="0"/>
+                        </a:rPr>
+                        <a:t>Informationsbeschaffung</a:t>
+                      </a:r>
+                      <a:r>
+                        <a:rPr lang="de-DE" sz="1100">
+                          <a:effectLst/>
+                          <a:latin typeface="Arial" panose="020B0604020202020204" pitchFamily="34" charset="0"/>
+                          <a:ea typeface="Calibri" panose="020F0502020204030204" pitchFamily="34" charset="0"/>
+                          <a:cs typeface="Times New Roman" panose="02020603050405020304" pitchFamily="18" charset="0"/>
+                        </a:rPr>
+                        <a:t>:</a:t>
+                      </a:r>
+                      <a:endParaRPr lang="de-DE" sz="900">
+                        <a:effectLst/>
+                        <a:latin typeface="Calibri" panose="020F0502020204030204" pitchFamily="34" charset="0"/>
+                        <a:ea typeface="Calibri" panose="020F0502020204030204" pitchFamily="34" charset="0"/>
+                        <a:cs typeface="Times New Roman" panose="02020603050405020304" pitchFamily="18" charset="0"/>
+                      </a:endParaRPr>
+                    </a:p>
+                    <a:p>
+                      <a:pPr>
+                        <a:lnSpc>
+                          <a:spcPct val="115000"/>
+                        </a:lnSpc>
+                        <a:spcAft>
+                          <a:spcPts val="0"/>
+                        </a:spcAft>
+                      </a:pPr>
+                      <a:r>
+                        <a:rPr lang="de-DE" sz="1100">
+                          <a:effectLst/>
+                          <a:latin typeface="Arial" panose="020B0604020202020204" pitchFamily="34" charset="0"/>
+                          <a:ea typeface="Calibri" panose="020F0502020204030204" pitchFamily="34" charset="0"/>
+                          <a:cs typeface="Times New Roman" panose="02020603050405020304" pitchFamily="18" charset="0"/>
+                        </a:rPr>
+                        <a:t>Gespräche mit dem Kunden, um dessen Ideen umsetzen zu können und nicht vom Ziel abzuweichen.</a:t>
+                      </a:r>
+                      <a:endParaRPr lang="de-DE" sz="900">
+                        <a:effectLst/>
+                        <a:latin typeface="Calibri" panose="020F0502020204030204" pitchFamily="34" charset="0"/>
+                        <a:ea typeface="Calibri" panose="020F0502020204030204" pitchFamily="34" charset="0"/>
+                        <a:cs typeface="Times New Roman" panose="02020603050405020304" pitchFamily="18" charset="0"/>
+                      </a:endParaRPr>
+                    </a:p>
+                  </a:txBody>
+                  <a:tcPr marL="57478" marR="57478" marT="0" marB="0">
+                    <a:lnL w="12700" cap="flat" cmpd="sng" algn="ctr">
+                      <a:solidFill>
+                        <a:srgbClr val="000000"/>
+                      </a:solidFill>
+                      <a:prstDash val="solid"/>
+                      <a:round/>
+                      <a:headEnd type="none" w="med" len="med"/>
+                      <a:tailEnd type="none" w="med" len="med"/>
+                    </a:lnL>
+                    <a:lnR w="12700" cap="flat" cmpd="sng" algn="ctr">
+                      <a:solidFill>
+                        <a:srgbClr val="000000"/>
+                      </a:solidFill>
+                      <a:prstDash val="solid"/>
+                      <a:round/>
+                      <a:headEnd type="none" w="med" len="med"/>
+                      <a:tailEnd type="none" w="med" len="med"/>
+                    </a:lnR>
+                    <a:lnT w="12700" cap="flat" cmpd="sng" algn="ctr">
+                      <a:solidFill>
+                        <a:srgbClr val="000000"/>
+                      </a:solidFill>
+                      <a:prstDash val="solid"/>
+                      <a:round/>
+                      <a:headEnd type="none" w="med" len="med"/>
+                      <a:tailEnd type="none" w="med" len="med"/>
+                    </a:lnT>
+                    <a:lnB w="12700" cap="flat" cmpd="sng" algn="ctr">
+                      <a:solidFill>
+                        <a:srgbClr val="000000"/>
+                      </a:solidFill>
+                      <a:prstDash val="solid"/>
+                      <a:round/>
+                      <a:headEnd type="none" w="med" len="med"/>
+                      <a:tailEnd type="none" w="med" len="med"/>
+                    </a:lnB>
+                  </a:tcPr>
+                </a:tc>
+                <a:tc>
+                  <a:txBody>
+                    <a:bodyPr/>
+                    <a:lstStyle/>
+                    <a:p>
+                      <a:pPr>
+                        <a:lnSpc>
+                          <a:spcPct val="115000"/>
+                        </a:lnSpc>
+                        <a:spcBef>
+                          <a:spcPts val="600"/>
+                        </a:spcBef>
+                        <a:spcAft>
+                          <a:spcPts val="0"/>
+                        </a:spcAft>
+                      </a:pPr>
+                      <a:r>
+                        <a:rPr lang="de-DE" sz="1100" u="sng" dirty="0">
+                          <a:effectLst/>
+                          <a:latin typeface="Arial" panose="020B0604020202020204" pitchFamily="34" charset="0"/>
+                          <a:ea typeface="Calibri" panose="020F0502020204030204" pitchFamily="34" charset="0"/>
+                          <a:cs typeface="Times New Roman" panose="02020603050405020304" pitchFamily="18" charset="0"/>
+                        </a:rPr>
+                        <a:t>SOLL/IST-Vergleich</a:t>
+                      </a:r>
+                      <a:r>
+                        <a:rPr lang="de-DE" sz="1100" dirty="0">
+                          <a:effectLst/>
+                          <a:latin typeface="Arial" panose="020B0604020202020204" pitchFamily="34" charset="0"/>
+                          <a:ea typeface="Calibri" panose="020F0502020204030204" pitchFamily="34" charset="0"/>
+                          <a:cs typeface="Times New Roman" panose="02020603050405020304" pitchFamily="18" charset="0"/>
+                        </a:rPr>
+                        <a:t>:</a:t>
+                      </a:r>
+                      <a:endParaRPr lang="de-DE" sz="900" dirty="0">
+                        <a:effectLst/>
+                        <a:latin typeface="Calibri" panose="020F0502020204030204" pitchFamily="34" charset="0"/>
+                        <a:ea typeface="Calibri" panose="020F0502020204030204" pitchFamily="34" charset="0"/>
+                        <a:cs typeface="Times New Roman" panose="02020603050405020304" pitchFamily="18" charset="0"/>
+                      </a:endParaRPr>
+                    </a:p>
+                    <a:p>
+                      <a:pPr>
+                        <a:lnSpc>
+                          <a:spcPct val="115000"/>
+                        </a:lnSpc>
+                        <a:spcAft>
+                          <a:spcPts val="0"/>
+                        </a:spcAft>
+                      </a:pPr>
+                      <a:r>
+                        <a:rPr lang="de-DE" sz="1100" dirty="0">
+                          <a:effectLst/>
+                          <a:latin typeface="Arial" panose="020B0604020202020204" pitchFamily="34" charset="0"/>
+                          <a:ea typeface="Calibri" panose="020F0502020204030204" pitchFamily="34" charset="0"/>
+                          <a:cs typeface="Times New Roman" panose="02020603050405020304" pitchFamily="18" charset="0"/>
+                        </a:rPr>
+                        <a:t>Das Ergebnis wird mit den anfangs geplanten Zielen verglichen.</a:t>
+                      </a:r>
+                      <a:endParaRPr lang="de-DE" sz="900" dirty="0">
+                        <a:effectLst/>
+                        <a:latin typeface="Calibri" panose="020F0502020204030204" pitchFamily="34" charset="0"/>
+                        <a:ea typeface="Calibri" panose="020F0502020204030204" pitchFamily="34" charset="0"/>
+                        <a:cs typeface="Times New Roman" panose="02020603050405020304" pitchFamily="18" charset="0"/>
+                      </a:endParaRPr>
+                    </a:p>
+                    <a:p>
+                      <a:pPr>
+                        <a:lnSpc>
+                          <a:spcPct val="115000"/>
+                        </a:lnSpc>
+                        <a:spcBef>
+                          <a:spcPts val="1200"/>
+                        </a:spcBef>
+                        <a:spcAft>
+                          <a:spcPts val="0"/>
+                        </a:spcAft>
+                      </a:pPr>
+                      <a:r>
+                        <a:rPr lang="de-DE" sz="1100" u="sng" dirty="0">
+                          <a:effectLst/>
+                          <a:latin typeface="Arial" panose="020B0604020202020204" pitchFamily="34" charset="0"/>
+                          <a:ea typeface="Calibri" panose="020F0502020204030204" pitchFamily="34" charset="0"/>
+                          <a:cs typeface="Times New Roman" panose="02020603050405020304" pitchFamily="18" charset="0"/>
+                        </a:rPr>
+                        <a:t>Dokumentation abschließen</a:t>
+                      </a:r>
+                      <a:r>
+                        <a:rPr lang="de-DE" sz="1100" dirty="0">
+                          <a:effectLst/>
+                          <a:latin typeface="Arial" panose="020B0604020202020204" pitchFamily="34" charset="0"/>
+                          <a:ea typeface="Calibri" panose="020F0502020204030204" pitchFamily="34" charset="0"/>
+                          <a:cs typeface="Times New Roman" panose="02020603050405020304" pitchFamily="18" charset="0"/>
+                        </a:rPr>
+                        <a:t>:</a:t>
+                      </a:r>
+                      <a:endParaRPr lang="de-DE" sz="900" dirty="0">
+                        <a:effectLst/>
+                        <a:latin typeface="Calibri" panose="020F0502020204030204" pitchFamily="34" charset="0"/>
+                        <a:ea typeface="Calibri" panose="020F0502020204030204" pitchFamily="34" charset="0"/>
+                        <a:cs typeface="Times New Roman" panose="02020603050405020304" pitchFamily="18" charset="0"/>
+                      </a:endParaRPr>
+                    </a:p>
+                    <a:p>
+                      <a:pPr>
+                        <a:lnSpc>
+                          <a:spcPct val="115000"/>
+                        </a:lnSpc>
+                        <a:spcAft>
+                          <a:spcPts val="0"/>
+                        </a:spcAft>
+                      </a:pPr>
+                      <a:r>
+                        <a:rPr lang="de-DE" sz="1100" dirty="0">
+                          <a:effectLst/>
+                          <a:latin typeface="Arial" panose="020B0604020202020204" pitchFamily="34" charset="0"/>
+                          <a:ea typeface="Calibri" panose="020F0502020204030204" pitchFamily="34" charset="0"/>
+                          <a:cs typeface="Times New Roman" panose="02020603050405020304" pitchFamily="18" charset="0"/>
+                        </a:rPr>
+                        <a:t>Die Ergebnisse werden schriftlich festgehalten.</a:t>
+                      </a:r>
+                      <a:endParaRPr lang="de-DE" sz="900" dirty="0">
+                        <a:effectLst/>
+                        <a:latin typeface="Calibri" panose="020F0502020204030204" pitchFamily="34" charset="0"/>
+                        <a:ea typeface="Calibri" panose="020F0502020204030204" pitchFamily="34" charset="0"/>
+                        <a:cs typeface="Times New Roman" panose="02020603050405020304" pitchFamily="18" charset="0"/>
+                      </a:endParaRPr>
+                    </a:p>
+                    <a:p>
+                      <a:pPr>
+                        <a:lnSpc>
+                          <a:spcPct val="115000"/>
+                        </a:lnSpc>
+                        <a:spcBef>
+                          <a:spcPts val="1200"/>
+                        </a:spcBef>
+                        <a:spcAft>
+                          <a:spcPts val="0"/>
+                        </a:spcAft>
+                      </a:pPr>
+                      <a:r>
+                        <a:rPr lang="de-DE" sz="1100" u="sng" dirty="0">
+                          <a:effectLst/>
+                          <a:latin typeface="Arial" panose="020B0604020202020204" pitchFamily="34" charset="0"/>
+                          <a:ea typeface="Calibri" panose="020F0502020204030204" pitchFamily="34" charset="0"/>
+                          <a:cs typeface="Times New Roman" panose="02020603050405020304" pitchFamily="18" charset="0"/>
+                        </a:rPr>
+                        <a:t>Projekt abschließen</a:t>
+                      </a:r>
+                      <a:r>
+                        <a:rPr lang="de-DE" sz="1100" dirty="0">
+                          <a:effectLst/>
+                          <a:latin typeface="Arial" panose="020B0604020202020204" pitchFamily="34" charset="0"/>
+                          <a:ea typeface="Calibri" panose="020F0502020204030204" pitchFamily="34" charset="0"/>
+                          <a:cs typeface="Times New Roman" panose="02020603050405020304" pitchFamily="18" charset="0"/>
+                        </a:rPr>
+                        <a:t>:</a:t>
+                      </a:r>
+                      <a:endParaRPr lang="de-DE" sz="900" dirty="0">
+                        <a:effectLst/>
+                        <a:latin typeface="Calibri" panose="020F0502020204030204" pitchFamily="34" charset="0"/>
+                        <a:ea typeface="Calibri" panose="020F0502020204030204" pitchFamily="34" charset="0"/>
+                        <a:cs typeface="Times New Roman" panose="02020603050405020304" pitchFamily="18" charset="0"/>
+                      </a:endParaRPr>
+                    </a:p>
+                    <a:p>
+                      <a:pPr>
+                        <a:lnSpc>
+                          <a:spcPct val="115000"/>
+                        </a:lnSpc>
+                        <a:spcAft>
+                          <a:spcPts val="0"/>
+                        </a:spcAft>
+                      </a:pPr>
+                      <a:r>
+                        <a:rPr lang="de-DE" sz="1100" dirty="0">
+                          <a:effectLst/>
+                          <a:latin typeface="Arial" panose="020B0604020202020204" pitchFamily="34" charset="0"/>
+                          <a:ea typeface="Calibri" panose="020F0502020204030204" pitchFamily="34" charset="0"/>
+                          <a:cs typeface="Times New Roman" panose="02020603050405020304" pitchFamily="18" charset="0"/>
+                        </a:rPr>
+                        <a:t>Abschlussbesprechung zur Beendigung des Projekts</a:t>
+                      </a:r>
+                      <a:endParaRPr lang="de-DE" sz="900" dirty="0">
+                        <a:effectLst/>
+                        <a:latin typeface="Calibri" panose="020F0502020204030204" pitchFamily="34" charset="0"/>
+                        <a:ea typeface="Calibri" panose="020F0502020204030204" pitchFamily="34" charset="0"/>
+                        <a:cs typeface="Times New Roman" panose="02020603050405020304" pitchFamily="18" charset="0"/>
+                      </a:endParaRPr>
+                    </a:p>
+                  </a:txBody>
+                  <a:tcPr marL="57478" marR="57478" marT="0" marB="0">
+                    <a:lnL w="12700" cap="flat" cmpd="sng" algn="ctr">
+                      <a:solidFill>
+                        <a:srgbClr val="000000"/>
+                      </a:solidFill>
+                      <a:prstDash val="solid"/>
+                      <a:round/>
+                      <a:headEnd type="none" w="med" len="med"/>
+                      <a:tailEnd type="none" w="med" len="med"/>
+                    </a:lnL>
+                    <a:lnR w="12700" cap="flat" cmpd="sng" algn="ctr">
+                      <a:solidFill>
+                        <a:srgbClr val="000000"/>
+                      </a:solidFill>
+                      <a:prstDash val="solid"/>
+                      <a:round/>
+                      <a:headEnd type="none" w="med" len="med"/>
+                      <a:tailEnd type="none" w="med" len="med"/>
+                    </a:lnR>
+                    <a:lnT w="12700" cap="flat" cmpd="sng" algn="ctr">
+                      <a:solidFill>
+                        <a:srgbClr val="000000"/>
+                      </a:solidFill>
+                      <a:prstDash val="solid"/>
+                      <a:round/>
+                      <a:headEnd type="none" w="med" len="med"/>
+                      <a:tailEnd type="none" w="med" len="med"/>
+                    </a:lnT>
+                    <a:lnB w="12700" cap="flat" cmpd="sng" algn="ctr">
+                      <a:solidFill>
+                        <a:srgbClr val="000000"/>
+                      </a:solidFill>
+                      <a:prstDash val="solid"/>
+                      <a:round/>
+                      <a:headEnd type="none" w="med" len="med"/>
+                      <a:tailEnd type="none" w="med" len="med"/>
+                    </a:lnB>
+                  </a:tcPr>
+                </a:tc>
+                <a:extLst>
+                  <a:ext uri="{0D108BD9-81ED-4DB2-BD59-A6C34878D82A}">
+                    <a16:rowId xmlns:a16="http://schemas.microsoft.com/office/drawing/2014/main" val="3715917662"/>
+                  </a:ext>
+                </a:extLst>
+              </a:tr>
+            </a:tbl>
           </a:graphicData>
         </a:graphic>
       </p:graphicFrame>
@@ -16013,7 +17062,7 @@
                                           </p:stCondLst>
                                         </p:cTn>
                                         <p:tgtEl>
-                                          <p:spTgt spid="10"/>
+                                          <p:spTgt spid="11"/>
                                         </p:tgtEl>
                                         <p:attrNameLst>
                                           <p:attrName>style.visibility</p:attrName>
@@ -16027,7 +17076,7 @@
                                       <p:cBhvr>
                                         <p:cTn id="13" dur="500" fill="hold"/>
                                         <p:tgtEl>
-                                          <p:spTgt spid="10"/>
+                                          <p:spTgt spid="11"/>
                                         </p:tgtEl>
                                         <p:attrNameLst>
                                           <p:attrName>ppt_w</p:attrName>
@@ -16050,7 +17099,7 @@
                                       <p:cBhvr>
                                         <p:cTn id="14" dur="500" fill="hold"/>
                                         <p:tgtEl>
-                                          <p:spTgt spid="10"/>
+                                          <p:spTgt spid="11"/>
                                         </p:tgtEl>
                                         <p:attrNameLst>
                                           <p:attrName>ppt_h</p:attrName>
@@ -16073,7 +17122,7 @@
                                       <p:cBhvr>
                                         <p:cTn id="15" dur="500"/>
                                         <p:tgtEl>
-                                          <p:spTgt spid="10"/>
+                                          <p:spTgt spid="11"/>
                                         </p:tgtEl>
                                       </p:cBhvr>
                                     </p:animEffect>
@@ -16148,11 +17197,7 @@
           <a:p>
             <a:r>
               <a:rPr lang="de-DE" dirty="0" smtClean="0"/>
-              <a:t>V. </a:t>
-            </a:r>
-            <a:r>
-              <a:rPr lang="de-DE" dirty="0" smtClean="0"/>
-              <a:t>Der Plan zur Umsetzung</a:t>
+              <a:t>V. Der Plan zur Umsetzung</a:t>
             </a:r>
             <a:endParaRPr lang="de-DE" dirty="0"/>
           </a:p>
@@ -16175,7 +17220,7 @@
           <a:p>
             <a:fld id="{AFFC6BE6-CD2A-4CF5-97F9-C96353520506}" type="datetime1">
               <a:rPr lang="de-DE" smtClean="0"/>
-              <a:t>16.02.2017</a:t>
+              <a:t>17.02.2017</a:t>
             </a:fld>
             <a:endParaRPr lang="de-DE" dirty="0"/>
           </a:p>
@@ -16759,11 +17804,7 @@
           <a:p>
             <a:r>
               <a:rPr lang="de-DE" dirty="0" smtClean="0"/>
-              <a:t>V. </a:t>
-            </a:r>
-            <a:r>
-              <a:rPr lang="de-DE" dirty="0" smtClean="0"/>
-              <a:t>Der Plan zur Umsetzung</a:t>
+              <a:t>V. Der Plan zur Umsetzung</a:t>
             </a:r>
             <a:endParaRPr lang="de-DE" dirty="0"/>
           </a:p>
@@ -16786,7 +17827,7 @@
           <a:p>
             <a:fld id="{AFFC6BE6-CD2A-4CF5-97F9-C96353520506}" type="datetime1">
               <a:rPr lang="de-DE" smtClean="0"/>
-              <a:t>16.02.2017</a:t>
+              <a:t>17.02.2017</a:t>
             </a:fld>
             <a:endParaRPr lang="de-DE" dirty="0"/>
           </a:p>
@@ -16808,18 +17849,13 @@
           <a:lstStyle/>
           <a:p>
             <a:r>
-              <a:rPr lang="de-DE" dirty="0" err="1" smtClean="0"/>
-              <a:t>Concept</a:t>
+              <a:rPr lang="de-DE" dirty="0" smtClean="0"/>
+              <a:t>Concept-IT GmbH </a:t>
             </a:r>
             <a:r>
-              <a:rPr lang="de-DE" dirty="0" smtClean="0"/>
-              <a:t>-IT GmbH </a:t>
-            </a:r>
-            <a:r>
-              <a:rPr lang="de-DE"/>
+              <a:rPr lang="de-DE" dirty="0"/>
               <a:t>| Projekt HeatBox</a:t>
             </a:r>
-            <a:endParaRPr lang="de-DE" dirty="0"/>
           </a:p>
         </p:txBody>
       </p:sp>
@@ -16905,7 +17941,7 @@
           <a:graphicData uri="http://schemas.openxmlformats.org/presentationml/2006/ole">
             <mc:AlternateContent xmlns:mc="http://schemas.openxmlformats.org/markup-compatibility/2006">
               <mc:Choice xmlns:v="urn:schemas-microsoft-com:vml" Requires="v">
-                <p:oleObj spid="_x0000_s1041" name="Acrobat Document" r:id="rId3" imgW="5346330" imgH="3778206" progId="AcroExch.Document.11">
+                <p:oleObj spid="_x0000_s1057" name="Acrobat Document" r:id="rId3" imgW="5346330" imgH="3778206" progId="AcroExch.Document.11">
                   <p:embed/>
                 </p:oleObj>
               </mc:Choice>
@@ -16962,7 +17998,7 @@
           <a:graphicData uri="http://schemas.openxmlformats.org/presentationml/2006/ole">
             <mc:AlternateContent xmlns:mc="http://schemas.openxmlformats.org/markup-compatibility/2006">
               <mc:Choice xmlns:v="urn:schemas-microsoft-com:vml" Requires="v">
-                <p:oleObj spid="_x0000_s1042" name="Acrobat Document" r:id="rId5" imgW="5346330" imgH="3778206" progId="AcroExch.Document.11">
+                <p:oleObj spid="_x0000_s1058" name="Acrobat Document" r:id="rId5" imgW="5346330" imgH="3778206" progId="AcroExch.Document.11">
                   <p:embed/>
                 </p:oleObj>
               </mc:Choice>
@@ -17418,15 +18454,19 @@
           <a:p>
             <a:r>
               <a:rPr lang="de-DE" dirty="0" smtClean="0"/>
-              <a:t>VI</a:t>
+              <a:t>VI. </a:t>
+            </a:r>
+            <a:r>
+              <a:rPr lang="de-DE" dirty="0" smtClean="0">
+                <a:solidFill>
+                  <a:srgbClr val="1F4E79"/>
+                </a:solidFill>
+              </a:rPr>
+              <a:t>Das</a:t>
             </a:r>
             <a:r>
               <a:rPr lang="de-DE" dirty="0" smtClean="0"/>
-              <a:t>. </a:t>
-            </a:r>
-            <a:r>
-              <a:rPr lang="de-DE" dirty="0" smtClean="0"/>
-              <a:t>Das Angebot</a:t>
+              <a:t> Angebot</a:t>
             </a:r>
             <a:endParaRPr lang="de-DE" dirty="0"/>
           </a:p>
@@ -17449,7 +18489,7 @@
           <a:p>
             <a:fld id="{AFFC6BE6-CD2A-4CF5-97F9-C96353520506}" type="datetime1">
               <a:rPr lang="de-DE" smtClean="0"/>
-              <a:t>16.02.2017</a:t>
+              <a:t>17.02.2017</a:t>
             </a:fld>
             <a:endParaRPr lang="de-DE" dirty="0"/>
           </a:p>
@@ -17568,7 +18608,7 @@
                             </p:stCondLst>
                             <p:childTnLst>
                               <p:par>
-                                <p:cTn id="5" presetID="2" presetClass="entr" presetSubtype="4" fill="hold" nodeType="clickEffect">
+                                <p:cTn id="5" presetID="53" presetClass="entr" presetSubtype="16" fill="hold" nodeType="clickEffect">
                                   <p:stCondLst>
                                     <p:cond delay="0"/>
                                   </p:stCondLst>
@@ -17592,51 +18632,59 @@
                                       </p:to>
                                     </p:set>
                                     <p:anim calcmode="lin" valueType="num">
-                                      <p:cBhvr additive="base">
+                                      <p:cBhvr>
                                         <p:cTn id="7" dur="500" fill="hold"/>
                                         <p:tgtEl>
                                           <p:spTgt spid="7"/>
                                         </p:tgtEl>
                                         <p:attrNameLst>
-                                          <p:attrName>ppt_x</p:attrName>
+                                          <p:attrName>ppt_w</p:attrName>
                                         </p:attrNameLst>
                                       </p:cBhvr>
                                       <p:tavLst>
                                         <p:tav tm="0">
                                           <p:val>
-                                            <p:strVal val="#ppt_x"/>
+                                            <p:fltVal val="0"/>
                                           </p:val>
                                         </p:tav>
                                         <p:tav tm="100000">
                                           <p:val>
-                                            <p:strVal val="#ppt_x"/>
+                                            <p:strVal val="#ppt_w"/>
                                           </p:val>
                                         </p:tav>
                                       </p:tavLst>
                                     </p:anim>
                                     <p:anim calcmode="lin" valueType="num">
-                                      <p:cBhvr additive="base">
+                                      <p:cBhvr>
                                         <p:cTn id="8" dur="500" fill="hold"/>
                                         <p:tgtEl>
                                           <p:spTgt spid="7"/>
                                         </p:tgtEl>
                                         <p:attrNameLst>
-                                          <p:attrName>ppt_y</p:attrName>
+                                          <p:attrName>ppt_h</p:attrName>
                                         </p:attrNameLst>
                                       </p:cBhvr>
                                       <p:tavLst>
                                         <p:tav tm="0">
                                           <p:val>
-                                            <p:strVal val="1+#ppt_h/2"/>
+                                            <p:fltVal val="0"/>
                                           </p:val>
                                         </p:tav>
                                         <p:tav tm="100000">
                                           <p:val>
-                                            <p:strVal val="#ppt_y"/>
+                                            <p:strVal val="#ppt_h"/>
                                           </p:val>
                                         </p:tav>
                                       </p:tavLst>
                                     </p:anim>
+                                    <p:animEffect transition="in" filter="fade">
+                                      <p:cBhvr>
+                                        <p:cTn id="9" dur="500"/>
+                                        <p:tgtEl>
+                                          <p:spTgt spid="7"/>
+                                        </p:tgtEl>
+                                      </p:cBhvr>
+                                    </p:animEffect>
                                   </p:childTnLst>
                                 </p:cTn>
                               </p:par>
@@ -17705,7 +18753,7 @@
           <a:p>
             <a:fld id="{AFFC6BE6-CD2A-4CF5-97F9-C96353520506}" type="datetime1">
               <a:rPr lang="de-DE" smtClean="0"/>
-              <a:t>16.02.2017</a:t>
+              <a:t>17.02.2017</a:t>
             </a:fld>
             <a:endParaRPr lang="de-DE" dirty="0"/>
           </a:p>
@@ -17727,10 +18775,9 @@
           <a:lstStyle/>
           <a:p>
             <a:r>
-              <a:rPr lang="de-DE" smtClean="0"/>
-              <a:t>Concept-IT GmbH | Projektabschluss</a:t>
+              <a:rPr lang="de-DE" dirty="0" smtClean="0"/>
+              <a:t>Concept-IT GmbH | Projekt HeatBox</a:t>
             </a:r>
-            <a:endParaRPr lang="de-DE" dirty="0"/>
           </a:p>
         </p:txBody>
       </p:sp>
@@ -17784,10 +18831,18 @@
               <a:buNone/>
             </a:pPr>
             <a:r>
-              <a:rPr lang="de-DE" sz="7200" dirty="0" smtClean="0"/>
+              <a:rPr lang="de-DE" sz="7200" dirty="0" smtClean="0">
+                <a:solidFill>
+                  <a:srgbClr val="1F4E79"/>
+                </a:solidFill>
+              </a:rPr>
               <a:t>Vielen Dank für die Aufmerksamkeit</a:t>
             </a:r>
-            <a:endParaRPr lang="de-DE" sz="7200" dirty="0"/>
+            <a:endParaRPr lang="de-DE" sz="7200" dirty="0">
+              <a:solidFill>
+                <a:srgbClr val="1F4E79"/>
+              </a:solidFill>
+            </a:endParaRPr>
           </a:p>
         </p:txBody>
       </p:sp>
@@ -17870,7 +18925,7 @@
           <a:p>
             <a:fld id="{2DC7AA3B-87FC-4178-8D87-D6353106D8F9}" type="datetime1">
               <a:rPr lang="de-DE" smtClean="0"/>
-              <a:t>16.02.2017</a:t>
+              <a:t>17.02.2017</a:t>
             </a:fld>
             <a:endParaRPr lang="de-DE" dirty="0"/>
           </a:p>
@@ -17987,17 +19042,7 @@
                   </a:schemeClr>
                 </a:solidFill>
               </a:rPr>
-              <a:t>Die </a:t>
-            </a:r>
-            <a:r>
-              <a:rPr lang="de-DE" dirty="0" smtClean="0">
-                <a:solidFill>
-                  <a:schemeClr val="accent1">
-                    <a:lumMod val="50000"/>
-                  </a:schemeClr>
-                </a:solidFill>
-              </a:rPr>
-              <a:t>Hoffnung des Teams – Das Pflichtenheft</a:t>
+              <a:t>Die Hoffnung des Teams – Das Pflichtenheft</a:t>
             </a:r>
           </a:p>
           <a:p>
@@ -18009,17 +19054,7 @@
                   </a:schemeClr>
                 </a:solidFill>
               </a:rPr>
-              <a:t>Der Plan zur Umsetzung – </a:t>
-            </a:r>
-            <a:r>
-              <a:rPr lang="de-DE" dirty="0" smtClean="0">
-                <a:solidFill>
-                  <a:schemeClr val="accent1">
-                    <a:lumMod val="50000"/>
-                  </a:schemeClr>
-                </a:solidFill>
-              </a:rPr>
-              <a:t>Die Projektplanung</a:t>
+              <a:t>Der Plan zur Umsetzung – Die Projektplanung</a:t>
             </a:r>
           </a:p>
           <a:p>
@@ -18130,7 +19165,7 @@
           <a:p>
             <a:fld id="{AFFC6BE6-CD2A-4CF5-97F9-C96353520506}" type="datetime1">
               <a:rPr lang="de-DE" smtClean="0"/>
-              <a:t>16.02.2017</a:t>
+              <a:t>17.02.2017</a:t>
             </a:fld>
             <a:endParaRPr lang="de-DE" dirty="0"/>
           </a:p>
@@ -19102,7 +20137,7 @@
           <a:p>
             <a:fld id="{AFFC6BE6-CD2A-4CF5-97F9-C96353520506}" type="datetime1">
               <a:rPr lang="de-DE" smtClean="0"/>
-              <a:t>16.02.2017</a:t>
+              <a:t>17.02.2017</a:t>
             </a:fld>
             <a:endParaRPr lang="de-DE" dirty="0"/>
           </a:p>
@@ -19748,7 +20783,7 @@
           <a:p>
             <a:fld id="{AFFC6BE6-CD2A-4CF5-97F9-C96353520506}" type="datetime1">
               <a:rPr lang="de-DE" smtClean="0"/>
-              <a:t>16.02.2017</a:t>
+              <a:t>17.02.2017</a:t>
             </a:fld>
             <a:endParaRPr lang="de-DE" dirty="0"/>
           </a:p>
@@ -19826,7 +20861,7 @@
         </p:spPr>
         <p:txBody>
           <a:bodyPr>
-            <a:normAutofit lnSpcReduction="10000"/>
+            <a:normAutofit/>
           </a:bodyPr>
           <a:lstStyle/>
           <a:p>
@@ -19835,7 +20870,35 @@
             </a:pPr>
             <a:r>
               <a:rPr lang="de-DE" dirty="0" smtClean="0"/>
-              <a:t>Steuerungselement für die Heizelemente eines Heizkoffers für Akkus (z.B. für Flugmodellbau)</a:t>
+              <a:t>Steuerungseinheit </a:t>
+            </a:r>
+            <a:r>
+              <a:rPr lang="de-DE" dirty="0" smtClean="0"/>
+              <a:t>für </a:t>
+            </a:r>
+            <a:r>
+              <a:rPr lang="de-DE" dirty="0" smtClean="0"/>
+              <a:t>eines Heizkoffer (</a:t>
+            </a:r>
+            <a:r>
+              <a:rPr lang="de-DE" dirty="0" smtClean="0"/>
+              <a:t>z.B. für </a:t>
+            </a:r>
+            <a:r>
+              <a:rPr lang="de-DE" dirty="0" smtClean="0"/>
+              <a:t>Akkus für </a:t>
+            </a:r>
+            <a:r>
+              <a:rPr lang="de-DE" dirty="0"/>
+              <a:t>M</a:t>
+            </a:r>
+            <a:r>
+              <a:rPr lang="de-DE" dirty="0" smtClean="0"/>
+              <a:t>odellbau</a:t>
+            </a:r>
+            <a:r>
+              <a:rPr lang="de-DE" dirty="0" smtClean="0"/>
+              <a:t>)</a:t>
             </a:r>
             <a:endParaRPr lang="de-DE" dirty="0"/>
           </a:p>
@@ -20284,7 +21347,7 @@
           <a:p>
             <a:fld id="{AFFC6BE6-CD2A-4CF5-97F9-C96353520506}" type="datetime1">
               <a:rPr lang="de-DE" smtClean="0"/>
-              <a:t>16.02.2017</a:t>
+              <a:t>17.02.2017</a:t>
             </a:fld>
             <a:endParaRPr lang="de-DE" dirty="0"/>
           </a:p>
@@ -20850,7 +21913,7 @@
           <a:p>
             <a:fld id="{AFFC6BE6-CD2A-4CF5-97F9-C96353520506}" type="datetime1">
               <a:rPr lang="de-DE" smtClean="0"/>
-              <a:t>16.02.2017</a:t>
+              <a:t>17.02.2017</a:t>
             </a:fld>
             <a:endParaRPr lang="de-DE" dirty="0"/>
           </a:p>
@@ -21120,11 +22183,7 @@
           <a:p>
             <a:r>
               <a:rPr lang="de-DE" sz="3600" dirty="0" smtClean="0"/>
-              <a:t>IV</a:t>
-            </a:r>
-            <a:r>
-              <a:rPr lang="de-DE" sz="3600" dirty="0" smtClean="0"/>
-              <a:t>. Die </a:t>
+              <a:t>IV. Die </a:t>
             </a:r>
             <a:r>
               <a:rPr lang="de-DE" sz="3600" dirty="0"/>
@@ -21155,7 +22214,7 @@
           <a:p>
             <a:fld id="{AFFC6BE6-CD2A-4CF5-97F9-C96353520506}" type="datetime1">
               <a:rPr lang="de-DE" smtClean="0"/>
-              <a:t>16.02.2017</a:t>
+              <a:t>17.02.2017</a:t>
             </a:fld>
             <a:endParaRPr lang="de-DE" dirty="0"/>
           </a:p>
@@ -21423,11 +22482,7 @@
           <a:p>
             <a:r>
               <a:rPr lang="de-DE" dirty="0" smtClean="0"/>
-              <a:t>V. </a:t>
-            </a:r>
-            <a:r>
-              <a:rPr lang="de-DE" dirty="0" smtClean="0"/>
-              <a:t>Der Plan zur Umsetzung</a:t>
+              <a:t>V. Der Plan zur Umsetzung</a:t>
             </a:r>
             <a:endParaRPr lang="de-DE" dirty="0"/>
           </a:p>
@@ -21450,7 +22505,7 @@
           <a:p>
             <a:fld id="{AFFC6BE6-CD2A-4CF5-97F9-C96353520506}" type="datetime1">
               <a:rPr lang="de-DE" smtClean="0"/>
-              <a:t>16.02.2017</a:t>
+              <a:t>17.02.2017</a:t>
             </a:fld>
             <a:endParaRPr lang="de-DE" dirty="0"/>
           </a:p>
@@ -21537,7 +22592,6 @@
               <a:rPr lang="de-DE" dirty="0" smtClean="0"/>
               <a:t>Projektstrukturplan</a:t>
             </a:r>
-            <a:endParaRPr lang="de-DE" dirty="0" smtClean="0"/>
           </a:p>
           <a:p>
             <a:pPr marL="0" indent="0">
@@ -21549,14 +22603,16 @@
       </p:sp>
       <p:pic>
         <p:nvPicPr>
-          <p:cNvPr id="8" name="Grafik 7"/>
+          <p:cNvPr id="8" name="Grafik 7">
+            <a:hlinkClick r:id="rId2" action="ppaction://hlinkfile"/>
+          </p:cNvPr>
           <p:cNvPicPr>
             <a:picLocks noChangeAspect="1"/>
           </p:cNvPicPr>
           <p:nvPr/>
         </p:nvPicPr>
         <p:blipFill>
-          <a:blip r:embed="rId2" cstate="print">
+          <a:blip r:embed="rId3" cstate="print">
             <a:extLst>
               <a:ext uri="{28A0092B-C50C-407E-A947-70E740481C1C}">
                 <a14:useLocalDpi xmlns:a14="http://schemas.microsoft.com/office/drawing/2010/main" val="0"/>
